--- a/report/CS677 Final Project.pptx
+++ b/report/CS677 Final Project.pptx
@@ -14,11 +14,12 @@
     <p:sldId id="269" r:id="rId9"/>
     <p:sldId id="278" r:id="rId10"/>
     <p:sldId id="279" r:id="rId11"/>
-    <p:sldId id="280" r:id="rId12"/>
-    <p:sldId id="281" r:id="rId13"/>
-    <p:sldId id="282" r:id="rId14"/>
-    <p:sldId id="277" r:id="rId15"/>
-    <p:sldId id="276" r:id="rId16"/>
+    <p:sldId id="283" r:id="rId12"/>
+    <p:sldId id="280" r:id="rId13"/>
+    <p:sldId id="281" r:id="rId14"/>
+    <p:sldId id="282" r:id="rId15"/>
+    <p:sldId id="277" r:id="rId16"/>
+    <p:sldId id="276" r:id="rId17"/>
   </p:sldIdLst>
   <p:sldSz cx="9144000" cy="6858000" type="screen4x3"/>
   <p:notesSz cx="7103745" cy="10234295"/>
@@ -2757,12 +2758,8 @@
           <a:p>
             <a:pPr algn="l"/>
             <a:r>
-              <a:rPr lang="" altLang="en-US" sz="2800"/>
-              <a:t>6</a:t>
-            </a:r>
-            <a:r>
               <a:rPr lang="en-US" altLang="en-US" sz="2800"/>
-              <a:t>, GPU implementation</a:t>
+              <a:t>6, GPU implementation</a:t>
             </a:r>
             <a:endParaRPr lang="en-US" altLang="en-US" sz="2800"/>
           </a:p>
@@ -2812,23 +2809,7 @@
             <a:pPr algn="l"/>
             <a:r>
               <a:rPr lang="en-US" altLang="en-US" sz="2400"/>
-              <a:t>version </a:t>
-            </a:r>
-            <a:r>
-              <a:rPr lang="" altLang="en-US" sz="2400"/>
-              <a:t>3</a:t>
-            </a:r>
-            <a:r>
-              <a:rPr lang="en-US" altLang="en-US" sz="2400"/>
-              <a:t>: Recursive with </a:t>
-            </a:r>
-            <a:r>
-              <a:rPr lang="" altLang="en-US" sz="2400"/>
-              <a:t>shared</a:t>
-            </a:r>
-            <a:r>
-              <a:rPr lang="en-US" altLang="en-US" sz="2400"/>
-              <a:t> memory</a:t>
+              <a:t>version 2: Recursive with global memory</a:t>
             </a:r>
             <a:endParaRPr lang="en-US" altLang="en-US" sz="2400">
               <a:sym typeface="+mn-ea"/>
@@ -2838,7 +2819,7 @@
       </p:sp>
       <p:pic>
         <p:nvPicPr>
-          <p:cNvPr id="6" name="Picture 5"/>
+          <p:cNvPr id="5" name="Picture 4"/>
           <p:cNvPicPr>
             <a:picLocks noChangeAspect="1"/>
           </p:cNvPicPr>
@@ -2852,8 +2833,8 @@
         </p:blipFill>
         <p:spPr>
           <a:xfrm>
-            <a:off x="4436745" y="2409825"/>
-            <a:ext cx="4135120" cy="3112135"/>
+            <a:off x="4642485" y="2620010"/>
+            <a:ext cx="3714115" cy="2800350"/>
           </a:xfrm>
           <a:prstGeom prst="rect">
             <a:avLst/>
@@ -2868,8 +2849,8 @@
         </p:nvSpPr>
         <p:spPr>
           <a:xfrm>
-            <a:off x="2018030" y="3557270"/>
-            <a:ext cx="1338580" cy="368300"/>
+            <a:off x="7548245" y="5700395"/>
+            <a:ext cx="676910" cy="368300"/>
           </a:xfrm>
           <a:prstGeom prst="rect">
             <a:avLst/>
@@ -2882,8 +2863,103 @@
           </a:bodyPr>
           <a:p>
             <a:r>
+              <a:rPr lang="en-US" altLang="en-US"/>
+              <a:t>1x</a:t>
+            </a:r>
+            <a:endParaRPr lang="en-US" altLang="en-US"/>
+          </a:p>
+        </p:txBody>
+      </p:sp>
+      <p:sp>
+        <p:nvSpPr>
+          <p:cNvPr id="3" name="Text Box 2"/>
+          <p:cNvSpPr txBox="1"/>
+          <p:nvPr/>
+        </p:nvSpPr>
+        <p:spPr>
+          <a:xfrm>
+            <a:off x="6110605" y="1854835"/>
+            <a:ext cx="2592070" cy="368300"/>
+          </a:xfrm>
+          <a:prstGeom prst="rect">
+            <a:avLst/>
+          </a:prstGeom>
+          <a:noFill/>
+        </p:spPr>
+        <p:txBody>
+          <a:bodyPr wrap="square" rtlCol="0">
+            <a:spAutoFit/>
+          </a:bodyPr>
+          <a:p>
+            <a:r>
               <a:rPr lang="" altLang="en-US"/>
-              <a:t>10.5x</a:t>
+              <a:t>continue</a:t>
+            </a:r>
+            <a:endParaRPr lang="" altLang="en-US"/>
+          </a:p>
+        </p:txBody>
+      </p:sp>
+      <p:sp>
+        <p:nvSpPr>
+          <p:cNvPr id="6" name="Text Box 5"/>
+          <p:cNvSpPr txBox="1"/>
+          <p:nvPr/>
+        </p:nvSpPr>
+        <p:spPr>
+          <a:xfrm>
+            <a:off x="643255" y="2713990"/>
+            <a:ext cx="3868420" cy="922020"/>
+          </a:xfrm>
+          <a:prstGeom prst="rect">
+            <a:avLst/>
+          </a:prstGeom>
+          <a:noFill/>
+        </p:spPr>
+        <p:txBody>
+          <a:bodyPr wrap="square" rtlCol="0">
+            <a:spAutoFit/>
+          </a:bodyPr>
+          <a:p>
+            <a:pPr marL="285750" indent="-285750">
+              <a:buFont typeface="Arial" panose="02080604020202020204" pitchFamily="34" charset="0"/>
+              <a:buChar char="•"/>
+            </a:pPr>
+            <a:r>
+              <a:rPr lang="" altLang="en-US"/>
+              <a:t>The performance of the R-Kleene is no better than the Floyd-Warshall algo.</a:t>
+            </a:r>
+            <a:endParaRPr lang="" altLang="en-US"/>
+          </a:p>
+        </p:txBody>
+      </p:sp>
+      <p:sp>
+        <p:nvSpPr>
+          <p:cNvPr id="9" name="Text Box 8"/>
+          <p:cNvSpPr txBox="1"/>
+          <p:nvPr/>
+        </p:nvSpPr>
+        <p:spPr>
+          <a:xfrm>
+            <a:off x="643255" y="4041140"/>
+            <a:ext cx="3869055" cy="645160"/>
+          </a:xfrm>
+          <a:prstGeom prst="rect">
+            <a:avLst/>
+          </a:prstGeom>
+          <a:noFill/>
+        </p:spPr>
+        <p:txBody>
+          <a:bodyPr wrap="square" rtlCol="0">
+            <a:spAutoFit/>
+          </a:bodyPr>
+          <a:p>
+            <a:pPr marL="285750" indent="-285750">
+              <a:buFont typeface="Arial" panose="02080604020202020204" pitchFamily="34" charset="0"/>
+              <a:buChar char="•"/>
+            </a:pPr>
+            <a:r>
+              <a:rPr lang="" altLang="en-US"/>
+              <a:t>But now, we can make use of shared memory</a:t>
             </a:r>
             <a:endParaRPr lang="" altLang="en-US"/>
           </a:p>
@@ -2943,7 +3019,7 @@
       </p:sp>
       <p:sp>
         <p:nvSpPr>
-          <p:cNvPr id="5" name="Title 1"/>
+          <p:cNvPr id="4" name="Title 1"/>
           <p:cNvSpPr>
             <a:spLocks noGrp="1"/>
           </p:cNvSpPr>
@@ -2989,11 +3065,19 @@
             </a:r>
             <a:r>
               <a:rPr lang="" altLang="en-US" sz="2400"/>
-              <a:t>4</a:t>
+              <a:t>3</a:t>
             </a:r>
             <a:r>
               <a:rPr lang="en-US" altLang="en-US" sz="2400"/>
-              <a:t>: Recursive with shared memory</a:t>
+              <a:t>: Recursive with </a:t>
+            </a:r>
+            <a:r>
+              <a:rPr lang="" altLang="en-US" sz="2400"/>
+              <a:t>shared</a:t>
+            </a:r>
+            <a:r>
+              <a:rPr lang="en-US" altLang="en-US" sz="2400"/>
+              <a:t> memory</a:t>
             </a:r>
             <a:endParaRPr lang="en-US" altLang="en-US" sz="2400">
               <a:sym typeface="+mn-ea"/>
@@ -3001,38 +3085,9 @@
           </a:p>
         </p:txBody>
       </p:sp>
-      <p:sp>
-        <p:nvSpPr>
-          <p:cNvPr id="8" name="Text Box 7"/>
-          <p:cNvSpPr txBox="1"/>
-          <p:nvPr/>
-        </p:nvSpPr>
-        <p:spPr>
-          <a:xfrm>
-            <a:off x="3965575" y="1774825"/>
-            <a:ext cx="3230880" cy="368300"/>
-          </a:xfrm>
-          <a:prstGeom prst="rect">
-            <a:avLst/>
-          </a:prstGeom>
-          <a:noFill/>
-        </p:spPr>
-        <p:txBody>
-          <a:bodyPr wrap="none" rtlCol="0">
-            <a:spAutoFit/>
-          </a:bodyPr>
-          <a:p>
-            <a:r>
-              <a:rPr lang="" altLang="en-US"/>
-              <a:t>- with larger blocksize (32)</a:t>
-            </a:r>
-            <a:endParaRPr lang="" altLang="en-US"/>
-          </a:p>
-        </p:txBody>
-      </p:sp>
       <p:pic>
         <p:nvPicPr>
-          <p:cNvPr id="9" name="Picture 8"/>
+          <p:cNvPr id="6" name="Picture 5"/>
           <p:cNvPicPr>
             <a:picLocks noChangeAspect="1"/>
           </p:cNvPicPr>
@@ -3046,14 +3101,76 @@
         </p:blipFill>
         <p:spPr>
           <a:xfrm>
-            <a:off x="4432935" y="2642870"/>
-            <a:ext cx="3916045" cy="2954020"/>
+            <a:off x="4436745" y="2409825"/>
+            <a:ext cx="4135120" cy="3112135"/>
           </a:xfrm>
           <a:prstGeom prst="rect">
             <a:avLst/>
           </a:prstGeom>
         </p:spPr>
       </p:pic>
+      <p:sp>
+        <p:nvSpPr>
+          <p:cNvPr id="7" name="Text Box 6"/>
+          <p:cNvSpPr txBox="1"/>
+          <p:nvPr/>
+        </p:nvSpPr>
+        <p:spPr>
+          <a:xfrm>
+            <a:off x="7559040" y="5831840"/>
+            <a:ext cx="913130" cy="368300"/>
+          </a:xfrm>
+          <a:prstGeom prst="rect">
+            <a:avLst/>
+          </a:prstGeom>
+          <a:noFill/>
+        </p:spPr>
+        <p:txBody>
+          <a:bodyPr wrap="square" rtlCol="0">
+            <a:spAutoFit/>
+          </a:bodyPr>
+          <a:p>
+            <a:r>
+              <a:rPr lang="" altLang="en-US"/>
+              <a:t>10.5x</a:t>
+            </a:r>
+            <a:endParaRPr lang="" altLang="en-US"/>
+          </a:p>
+        </p:txBody>
+      </p:sp>
+      <p:sp>
+        <p:nvSpPr>
+          <p:cNvPr id="9" name="Text Box 8"/>
+          <p:cNvSpPr txBox="1"/>
+          <p:nvPr/>
+        </p:nvSpPr>
+        <p:spPr>
+          <a:xfrm>
+            <a:off x="429895" y="2660015"/>
+            <a:ext cx="4056380" cy="922020"/>
+          </a:xfrm>
+          <a:prstGeom prst="rect">
+            <a:avLst/>
+          </a:prstGeom>
+          <a:noFill/>
+        </p:spPr>
+        <p:txBody>
+          <a:bodyPr wrap="square" rtlCol="0">
+            <a:spAutoFit/>
+          </a:bodyPr>
+          <a:p>
+            <a:pPr marL="285750" indent="-285750">
+              <a:buFont typeface="Arial" panose="02080604020202020204" pitchFamily="34" charset="0"/>
+              <a:buChar char="•"/>
+            </a:pPr>
+            <a:r>
+              <a:rPr lang="" altLang="en-US"/>
+              <a:t>For a single matrix minplus calculation, it is likes the matrix multiplication.</a:t>
+            </a:r>
+            <a:endParaRPr lang="" altLang="en-US"/>
+          </a:p>
+        </p:txBody>
+      </p:sp>
       <p:sp>
         <p:nvSpPr>
           <p:cNvPr id="10" name="Text Box 9"/>
@@ -3062,8 +3179,8 @@
         </p:nvSpPr>
         <p:spPr>
           <a:xfrm>
-            <a:off x="1395730" y="4009390"/>
-            <a:ext cx="826770" cy="368300"/>
+            <a:off x="429260" y="3730625"/>
+            <a:ext cx="4007485" cy="1198880"/>
           </a:xfrm>
           <a:prstGeom prst="rect">
             <a:avLst/>
@@ -3071,13 +3188,17 @@
           <a:noFill/>
         </p:spPr>
         <p:txBody>
-          <a:bodyPr wrap="none" rtlCol="0">
+          <a:bodyPr wrap="square" rtlCol="0">
             <a:spAutoFit/>
           </a:bodyPr>
           <a:p>
+            <a:pPr marL="285750" indent="-285750">
+              <a:buFont typeface="Arial" panose="02080604020202020204" pitchFamily="34" charset="0"/>
+              <a:buChar char="•"/>
+            </a:pPr>
             <a:r>
               <a:rPr lang="" altLang="en-US"/>
-              <a:t>1.65x</a:t>
+              <a:t>We can now load a block of matrix once and calculate it's contribution to the target output block</a:t>
             </a:r>
             <a:endParaRPr lang="" altLang="en-US"/>
           </a:p>
@@ -3183,25 +3304,50 @@
             </a:r>
             <a:r>
               <a:rPr lang="" altLang="en-US" sz="2400"/>
-              <a:t>5</a:t>
+              <a:t>4</a:t>
             </a:r>
             <a:r>
               <a:rPr lang="en-US" altLang="en-US" sz="2400"/>
-              <a:t>: </a:t>
-            </a:r>
-            <a:r>
-              <a:rPr lang="" altLang="en-US" sz="2400"/>
-              <a:t>Unroll the recursive</a:t>
-            </a:r>
-            <a:endParaRPr lang="" altLang="en-US" sz="2400">
+              <a:t>: Recursive with shared memory</a:t>
+            </a:r>
+            <a:endParaRPr lang="en-US" altLang="en-US" sz="2400">
               <a:sym typeface="+mn-ea"/>
             </a:endParaRPr>
           </a:p>
         </p:txBody>
       </p:sp>
+      <p:sp>
+        <p:nvSpPr>
+          <p:cNvPr id="8" name="Text Box 7"/>
+          <p:cNvSpPr txBox="1"/>
+          <p:nvPr/>
+        </p:nvSpPr>
+        <p:spPr>
+          <a:xfrm>
+            <a:off x="3965575" y="1774825"/>
+            <a:ext cx="3230880" cy="368300"/>
+          </a:xfrm>
+          <a:prstGeom prst="rect">
+            <a:avLst/>
+          </a:prstGeom>
+          <a:noFill/>
+        </p:spPr>
+        <p:txBody>
+          <a:bodyPr wrap="none" rtlCol="0">
+            <a:spAutoFit/>
+          </a:bodyPr>
+          <a:p>
+            <a:r>
+              <a:rPr lang="" altLang="en-US"/>
+              <a:t>- with larger blocksize (32)</a:t>
+            </a:r>
+            <a:endParaRPr lang="" altLang="en-US"/>
+          </a:p>
+        </p:txBody>
+      </p:sp>
       <p:pic>
         <p:nvPicPr>
-          <p:cNvPr id="3" name="Picture 2"/>
+          <p:cNvPr id="9" name="Picture 8"/>
           <p:cNvPicPr>
             <a:picLocks noChangeAspect="1"/>
           </p:cNvPicPr>
@@ -3215,8 +3361,8 @@
         </p:blipFill>
         <p:spPr>
           <a:xfrm>
-            <a:off x="4712335" y="2455545"/>
-            <a:ext cx="4076065" cy="3063875"/>
+            <a:off x="4432935" y="2642870"/>
+            <a:ext cx="3916045" cy="2954020"/>
           </a:xfrm>
           <a:prstGeom prst="rect">
             <a:avLst/>
@@ -3225,14 +3371,14 @@
       </p:pic>
       <p:sp>
         <p:nvSpPr>
-          <p:cNvPr id="4" name="Text Box 3"/>
+          <p:cNvPr id="10" name="Text Box 9"/>
           <p:cNvSpPr txBox="1"/>
           <p:nvPr/>
         </p:nvSpPr>
         <p:spPr>
           <a:xfrm>
-            <a:off x="398145" y="4925695"/>
-            <a:ext cx="4314190" cy="368300"/>
+            <a:off x="7402195" y="5989955"/>
+            <a:ext cx="826770" cy="368300"/>
           </a:xfrm>
           <a:prstGeom prst="rect">
             <a:avLst/>
@@ -3246,7 +3392,118 @@
           <a:p>
             <a:r>
               <a:rPr lang="" altLang="en-US"/>
-              <a:t>Get almost linear curve in log space</a:t>
+              <a:t>1.65x</a:t>
+            </a:r>
+            <a:endParaRPr lang="" altLang="en-US"/>
+          </a:p>
+        </p:txBody>
+      </p:sp>
+      <p:sp>
+        <p:nvSpPr>
+          <p:cNvPr id="11" name="Text Box 10"/>
+          <p:cNvSpPr txBox="1"/>
+          <p:nvPr/>
+        </p:nvSpPr>
+        <p:spPr>
+          <a:xfrm>
+            <a:off x="593725" y="2562860"/>
+            <a:ext cx="3459480" cy="922020"/>
+          </a:xfrm>
+          <a:prstGeom prst="rect">
+            <a:avLst/>
+          </a:prstGeom>
+          <a:noFill/>
+        </p:spPr>
+        <p:txBody>
+          <a:bodyPr wrap="square" rtlCol="0">
+            <a:spAutoFit/>
+          </a:bodyPr>
+          <a:p>
+            <a:pPr marL="285750" indent="-285750">
+              <a:buFont typeface="Arial" panose="02080604020202020204" pitchFamily="34" charset="0"/>
+              <a:buChar char="•"/>
+            </a:pPr>
+            <a:r>
+              <a:rPr lang="" altLang="en-US"/>
+              <a:t>We can even improve the performance by simply making a larger blocksize</a:t>
+            </a:r>
+            <a:endParaRPr lang="" altLang="en-US"/>
+          </a:p>
+        </p:txBody>
+      </p:sp>
+      <p:sp>
+        <p:nvSpPr>
+          <p:cNvPr id="12" name="Text Box 11"/>
+          <p:cNvSpPr txBox="1"/>
+          <p:nvPr/>
+        </p:nvSpPr>
+        <p:spPr>
+          <a:xfrm>
+            <a:off x="593725" y="3598545"/>
+            <a:ext cx="3459480" cy="922020"/>
+          </a:xfrm>
+          <a:prstGeom prst="rect">
+            <a:avLst/>
+          </a:prstGeom>
+          <a:noFill/>
+        </p:spPr>
+        <p:txBody>
+          <a:bodyPr wrap="square" rtlCol="0">
+            <a:spAutoFit/>
+          </a:bodyPr>
+          <a:p>
+            <a:pPr marL="285750" indent="-285750">
+              <a:buFont typeface="Arial" panose="02080604020202020204" pitchFamily="34" charset="0"/>
+              <a:buChar char="•"/>
+            </a:pPr>
+            <a:r>
+              <a:rPr lang="en-US" altLang="en-US"/>
+              <a:t>We </a:t>
+            </a:r>
+            <a:r>
+              <a:rPr lang="" altLang="en-US"/>
+              <a:t>get a 1.65x speed up by change the blocksize from 16 to 32</a:t>
+            </a:r>
+            <a:endParaRPr lang="" altLang="en-US"/>
+          </a:p>
+        </p:txBody>
+      </p:sp>
+      <p:sp>
+        <p:nvSpPr>
+          <p:cNvPr id="13" name="Text Box 12"/>
+          <p:cNvSpPr txBox="1"/>
+          <p:nvPr/>
+        </p:nvSpPr>
+        <p:spPr>
+          <a:xfrm>
+            <a:off x="474345" y="4775200"/>
+            <a:ext cx="3958590" cy="922020"/>
+          </a:xfrm>
+          <a:prstGeom prst="rect">
+            <a:avLst/>
+          </a:prstGeom>
+          <a:noFill/>
+        </p:spPr>
+        <p:txBody>
+          <a:bodyPr wrap="square" rtlCol="0">
+            <a:spAutoFit/>
+          </a:bodyPr>
+          <a:p>
+            <a:r>
+              <a:rPr lang="" altLang="en-US"/>
+              <a:t>Now, the problem is we have </a:t>
+            </a:r>
+            <a:r>
+              <a:rPr lang="" altLang="en-US">
+                <a:solidFill>
+                  <a:schemeClr val="accent2"/>
+                </a:solidFill>
+              </a:rPr>
+              <a:t>slow speed in small graph</a:t>
+            </a:r>
+            <a:r>
+              <a:rPr lang="" altLang="en-US"/>
+              <a:t> respect to the large one</a:t>
             </a:r>
             <a:endParaRPr lang="" altLang="en-US"/>
           </a:p>
@@ -3306,14 +3563,131 @@
       </p:sp>
       <p:sp>
         <p:nvSpPr>
+          <p:cNvPr id="5" name="Title 1"/>
+          <p:cNvSpPr>
+            <a:spLocks noGrp="1"/>
+          </p:cNvSpPr>
+          <p:nvPr/>
+        </p:nvSpPr>
+        <p:spPr>
+          <a:xfrm>
+            <a:off x="909320" y="1400175"/>
+            <a:ext cx="7793355" cy="454660"/>
+          </a:xfrm>
+          <a:prstGeom prst="rect">
+            <a:avLst/>
+          </a:prstGeom>
+        </p:spPr>
+        <p:txBody>
+          <a:bodyPr vert="horz" lIns="91440" tIns="45720" rIns="91440" bIns="45720" rtlCol="0" anchor="b">
+            <a:normAutofit/>
+          </a:bodyPr>
+          <a:lstStyle>
+            <a:lvl1pPr algn="ctr" defTabSz="914400" rtl="0" eaLnBrk="1" latinLnBrk="0" hangingPunct="1">
+              <a:lnSpc>
+                <a:spcPct val="90000"/>
+              </a:lnSpc>
+              <a:spcBef>
+                <a:spcPct val="0"/>
+              </a:spcBef>
+              <a:buNone/>
+              <a:defRPr sz="6000" kern="1200">
+                <a:solidFill>
+                  <a:schemeClr val="tx1"/>
+                </a:solidFill>
+                <a:latin typeface="+mj-lt"/>
+                <a:ea typeface="+mj-ea"/>
+                <a:cs typeface="+mj-cs"/>
+              </a:defRPr>
+            </a:lvl1pPr>
+          </a:lstStyle>
+          <a:p>
+            <a:pPr algn="l"/>
+            <a:r>
+              <a:rPr lang="en-US" altLang="en-US" sz="2400"/>
+              <a:t>version </a:t>
+            </a:r>
+            <a:r>
+              <a:rPr lang="" altLang="en-US" sz="2400"/>
+              <a:t>5</a:t>
+            </a:r>
+            <a:r>
+              <a:rPr lang="en-US" altLang="en-US" sz="2400"/>
+              <a:t>: </a:t>
+            </a:r>
+            <a:r>
+              <a:rPr lang="" altLang="en-US" sz="2400"/>
+              <a:t>Unroll the recursive</a:t>
+            </a:r>
+            <a:endParaRPr lang="" altLang="en-US" sz="2400">
+              <a:sym typeface="+mn-ea"/>
+            </a:endParaRPr>
+          </a:p>
+        </p:txBody>
+      </p:sp>
+      <p:pic>
+        <p:nvPicPr>
+          <p:cNvPr id="3" name="Picture 2"/>
+          <p:cNvPicPr>
+            <a:picLocks noChangeAspect="1"/>
+          </p:cNvPicPr>
+          <p:nvPr/>
+        </p:nvPicPr>
+        <p:blipFill>
+          <a:blip r:embed="rId1"/>
+          <a:stretch>
+            <a:fillRect/>
+          </a:stretch>
+        </p:blipFill>
+        <p:spPr>
+          <a:xfrm>
+            <a:off x="4744085" y="2155190"/>
+            <a:ext cx="4076065" cy="3063875"/>
+          </a:xfrm>
+          <a:prstGeom prst="rect">
+            <a:avLst/>
+          </a:prstGeom>
+        </p:spPr>
+      </p:pic>
+      <p:sp>
+        <p:nvSpPr>
+          <p:cNvPr id="4" name="Text Box 3"/>
+          <p:cNvSpPr txBox="1"/>
+          <p:nvPr/>
+        </p:nvSpPr>
+        <p:spPr>
+          <a:xfrm>
+            <a:off x="668655" y="5854700"/>
+            <a:ext cx="5909310" cy="368300"/>
+          </a:xfrm>
+          <a:prstGeom prst="rect">
+            <a:avLst/>
+          </a:prstGeom>
+          <a:noFill/>
+        </p:spPr>
+        <p:txBody>
+          <a:bodyPr wrap="none" rtlCol="0">
+            <a:spAutoFit/>
+          </a:bodyPr>
+          <a:p>
+            <a:r>
+              <a:rPr lang="" altLang="en-US"/>
+              <a:t>Finally, we get an almost linear curve in log space</a:t>
+            </a:r>
+            <a:endParaRPr lang="" altLang="en-US"/>
+          </a:p>
+        </p:txBody>
+      </p:sp>
+      <p:sp>
+        <p:nvSpPr>
           <p:cNvPr id="7" name="Text Box 6"/>
           <p:cNvSpPr txBox="1"/>
           <p:nvPr/>
         </p:nvSpPr>
         <p:spPr>
           <a:xfrm>
-            <a:off x="1275080" y="2601595"/>
-            <a:ext cx="7548245" cy="368300"/>
+            <a:off x="535940" y="3217545"/>
+            <a:ext cx="3783965" cy="368300"/>
           </a:xfrm>
           <a:prstGeom prst="rect">
             <a:avLst/>
@@ -3321,7 +3695,7 @@
           <a:noFill/>
         </p:spPr>
         <p:txBody>
-          <a:bodyPr wrap="square" rtlCol="0" anchor="t">
+          <a:bodyPr wrap="none" rtlCol="0">
             <a:spAutoFit/>
           </a:bodyPr>
           <a:p>
@@ -3330,10 +3704,18 @@
               <a:buChar char="•"/>
             </a:pPr>
             <a:r>
-              <a:rPr lang="en-US"/>
-              <a:t>Used 27 registers, 2048 bytes smem, 385 bytes cmem[0]</a:t>
-            </a:r>
-            <a:endParaRPr lang="en-US"/>
+              <a:rPr lang="" altLang="en-US">
+                <a:solidFill>
+                  <a:schemeClr val="accent2"/>
+                </a:solidFill>
+              </a:rPr>
+              <a:t>Unroll in the end of recursive</a:t>
+            </a:r>
+            <a:endParaRPr lang="" altLang="en-US">
+              <a:solidFill>
+                <a:schemeClr val="accent2"/>
+              </a:solidFill>
+            </a:endParaRPr>
           </a:p>
         </p:txBody>
       </p:sp>
@@ -3345,8 +3727,8 @@
         </p:nvSpPr>
         <p:spPr>
           <a:xfrm>
-            <a:off x="1313180" y="1774825"/>
-            <a:ext cx="7113905" cy="368300"/>
+            <a:off x="535940" y="3640455"/>
+            <a:ext cx="4176395" cy="1198880"/>
           </a:xfrm>
           <a:prstGeom prst="rect">
             <a:avLst/>
@@ -3354,7 +3736,7 @@
           <a:noFill/>
         </p:spPr>
         <p:txBody>
-          <a:bodyPr wrap="square" rtlCol="0" anchor="t">
+          <a:bodyPr wrap="square" rtlCol="0">
             <a:spAutoFit/>
           </a:bodyPr>
           <a:p>
@@ -3363,10 +3745,22 @@
               <a:buChar char="•"/>
             </a:pPr>
             <a:r>
-              <a:rPr lang="en-US"/>
-              <a:t>Used 32 registers, 385 bytes cmem[0], 4 bytes cmem[2]</a:t>
-            </a:r>
-            <a:endParaRPr lang="en-US"/>
+              <a:rPr lang="" altLang="en-US"/>
+              <a:t>When we get a matrix which is </a:t>
+            </a:r>
+            <a:r>
+              <a:rPr lang="" altLang="en-US">
+                <a:solidFill>
+                  <a:schemeClr val="accent2"/>
+                </a:solidFill>
+              </a:rPr>
+              <a:t>smaller than blocksize</a:t>
+            </a:r>
+            <a:r>
+              <a:rPr lang="" altLang="en-US"/>
+              <a:t>, we can just calculate the APSP by using floyd-warshall algo.</a:t>
+            </a:r>
+            <a:endParaRPr lang="" altLang="en-US"/>
           </a:p>
         </p:txBody>
       </p:sp>
@@ -3378,8 +3772,8 @@
         </p:nvSpPr>
         <p:spPr>
           <a:xfrm>
-            <a:off x="817880" y="1406525"/>
-            <a:ext cx="3660140" cy="368300"/>
+            <a:off x="1019175" y="4824095"/>
+            <a:ext cx="4208145" cy="645160"/>
           </a:xfrm>
           <a:prstGeom prst="rect">
             <a:avLst/>
@@ -3387,7 +3781,7 @@
           <a:noFill/>
         </p:spPr>
         <p:txBody>
-          <a:bodyPr wrap="none" rtlCol="0">
+          <a:bodyPr wrap="square" rtlCol="0">
             <a:spAutoFit/>
           </a:bodyPr>
           <a:p>
@@ -3396,23 +3790,23 @@
               <a:buChar char="•"/>
             </a:pPr>
             <a:r>
-              <a:rPr lang="en-US" altLang="en-US"/>
-              <a:t>version with global memory</a:t>
-            </a:r>
-            <a:endParaRPr lang="en-US" altLang="en-US"/>
-          </a:p>
-        </p:txBody>
-      </p:sp>
-      <p:sp>
-        <p:nvSpPr>
-          <p:cNvPr id="10" name="Text Box 9"/>
+              <a:rPr lang="" altLang="en-US"/>
+              <a:t>Now, we can load the whole matrix to shared memory</a:t>
+            </a:r>
+            <a:endParaRPr lang="" altLang="en-US"/>
+          </a:p>
+        </p:txBody>
+      </p:sp>
+      <p:sp>
+        <p:nvSpPr>
+          <p:cNvPr id="11" name="Text Box 10"/>
           <p:cNvSpPr txBox="1"/>
           <p:nvPr/>
         </p:nvSpPr>
         <p:spPr>
           <a:xfrm>
-            <a:off x="817880" y="2233295"/>
-            <a:ext cx="3813810" cy="368300"/>
+            <a:off x="536575" y="2018665"/>
+            <a:ext cx="4207510" cy="1198880"/>
           </a:xfrm>
           <a:prstGeom prst="rect">
             <a:avLst/>
@@ -3420,7 +3814,7 @@
           <a:noFill/>
         </p:spPr>
         <p:txBody>
-          <a:bodyPr wrap="none" rtlCol="0">
+          <a:bodyPr wrap="square" rtlCol="0">
             <a:spAutoFit/>
           </a:bodyPr>
           <a:p>
@@ -3430,237 +3824,9 @@
             </a:pPr>
             <a:r>
               <a:rPr lang="en-US" altLang="en-US"/>
-              <a:t>version with shared memory </a:t>
+              <a:t>The bottleneck for small graph is in the end of recursive where the overhead kernel launch cann't be ignored </a:t>
             </a:r>
             <a:endParaRPr lang="en-US" altLang="en-US"/>
-          </a:p>
-        </p:txBody>
-      </p:sp>
-      <p:sp>
-        <p:nvSpPr>
-          <p:cNvPr id="11" name="Text Box 10"/>
-          <p:cNvSpPr txBox="1"/>
-          <p:nvPr/>
-        </p:nvSpPr>
-        <p:spPr>
-          <a:xfrm>
-            <a:off x="817880" y="3106420"/>
-            <a:ext cx="4886325" cy="645160"/>
-          </a:xfrm>
-          <a:prstGeom prst="rect">
-            <a:avLst/>
-          </a:prstGeom>
-          <a:noFill/>
-        </p:spPr>
-        <p:txBody>
-          <a:bodyPr wrap="none" rtlCol="0">
-            <a:spAutoFit/>
-          </a:bodyPr>
-          <a:p>
-            <a:pPr marL="285750" indent="-285750" algn="l">
-              <a:buFont typeface="Arial" panose="02080604020202020204" pitchFamily="34" charset="0"/>
-              <a:buChar char="•"/>
-            </a:pPr>
-            <a:r>
-              <a:rPr lang="en-US" altLang="en-US">
-                <a:sym typeface="+mn-ea"/>
-              </a:rPr>
-              <a:t>version with shared memory</a:t>
-            </a:r>
-            <a:endParaRPr lang="en-US" altLang="en-US">
-              <a:sym typeface="+mn-ea"/>
-            </a:endParaRPr>
-          </a:p>
-          <a:p>
-            <a:pPr lvl="2" indent="0" algn="l">
-              <a:buFont typeface="Arial" panose="02080604020202020204" pitchFamily="34" charset="0"/>
-              <a:buNone/>
-            </a:pPr>
-            <a:r>
-              <a:rPr lang="en-US" altLang="en-US"/>
-              <a:t>-threads per block increace to 32</a:t>
-            </a:r>
-            <a:endParaRPr lang="en-US" altLang="en-US"/>
-          </a:p>
-        </p:txBody>
-      </p:sp>
-      <p:sp>
-        <p:nvSpPr>
-          <p:cNvPr id="13" name="Text Box 12"/>
-          <p:cNvSpPr txBox="1"/>
-          <p:nvPr/>
-        </p:nvSpPr>
-        <p:spPr>
-          <a:xfrm>
-            <a:off x="817880" y="5948680"/>
-            <a:ext cx="5516245" cy="368300"/>
-          </a:xfrm>
-          <a:prstGeom prst="rect">
-            <a:avLst/>
-          </a:prstGeom>
-          <a:noFill/>
-        </p:spPr>
-        <p:txBody>
-          <a:bodyPr wrap="none" rtlCol="0">
-            <a:spAutoFit/>
-          </a:bodyPr>
-          <a:p>
-            <a:pPr marL="285750" indent="-285750">
-              <a:buFont typeface="Arial" panose="02080604020202020204" pitchFamily="34" charset="0"/>
-              <a:buChar char="•"/>
-            </a:pPr>
-            <a:r>
-              <a:rPr lang="en-US" altLang="en-US"/>
-              <a:t>all of these version have a 100% occupancy</a:t>
-            </a:r>
-            <a:endParaRPr lang="en-US" altLang="en-US"/>
-          </a:p>
-        </p:txBody>
-      </p:sp>
-      <p:sp>
-        <p:nvSpPr>
-          <p:cNvPr id="14" name="Text Box 13"/>
-          <p:cNvSpPr txBox="1"/>
-          <p:nvPr/>
-        </p:nvSpPr>
-        <p:spPr>
-          <a:xfrm>
-            <a:off x="1294130" y="3736340"/>
-            <a:ext cx="7510145" cy="368300"/>
-          </a:xfrm>
-          <a:prstGeom prst="rect">
-            <a:avLst/>
-          </a:prstGeom>
-          <a:noFill/>
-        </p:spPr>
-        <p:txBody>
-          <a:bodyPr wrap="square" rtlCol="0" anchor="t">
-            <a:spAutoFit/>
-          </a:bodyPr>
-          <a:p>
-            <a:pPr marL="285750" indent="-285750">
-              <a:buFont typeface="Arial" panose="02080604020202020204" pitchFamily="34" charset="0"/>
-              <a:buChar char="•"/>
-            </a:pPr>
-            <a:r>
-              <a:rPr lang="en-US"/>
-              <a:t>Used 28 registers, 8192 bytes smem, 385 bytes cmem[0]</a:t>
-            </a:r>
-            <a:endParaRPr lang="en-US"/>
-          </a:p>
-        </p:txBody>
-      </p:sp>
-      <p:sp>
-        <p:nvSpPr>
-          <p:cNvPr id="15" name="Text Box 14"/>
-          <p:cNvSpPr txBox="1"/>
-          <p:nvPr/>
-        </p:nvSpPr>
-        <p:spPr>
-          <a:xfrm>
-            <a:off x="1313180" y="5175885"/>
-            <a:ext cx="7489825" cy="368300"/>
-          </a:xfrm>
-          <a:prstGeom prst="rect">
-            <a:avLst/>
-          </a:prstGeom>
-          <a:noFill/>
-        </p:spPr>
-        <p:txBody>
-          <a:bodyPr wrap="square" rtlCol="0" anchor="t">
-            <a:spAutoFit/>
-          </a:bodyPr>
-          <a:p>
-            <a:pPr marL="285750" indent="-285750">
-              <a:buFont typeface="Arial" panose="02080604020202020204" pitchFamily="34" charset="0"/>
-              <a:buChar char="•"/>
-            </a:pPr>
-            <a:r>
-              <a:rPr lang="en-US"/>
-              <a:t>Used 12 registers, 4096 bytes smem, 344 bytes cmem[0]</a:t>
-            </a:r>
-            <a:endParaRPr lang="en-US"/>
-          </a:p>
-        </p:txBody>
-      </p:sp>
-      <p:sp>
-        <p:nvSpPr>
-          <p:cNvPr id="16" name="Text Box 15"/>
-          <p:cNvSpPr txBox="1"/>
-          <p:nvPr/>
-        </p:nvSpPr>
-        <p:spPr>
-          <a:xfrm>
-            <a:off x="822325" y="4162425"/>
-            <a:ext cx="6086475" cy="645160"/>
-          </a:xfrm>
-          <a:prstGeom prst="rect">
-            <a:avLst/>
-          </a:prstGeom>
-          <a:noFill/>
-        </p:spPr>
-        <p:txBody>
-          <a:bodyPr wrap="none" rtlCol="0">
-            <a:spAutoFit/>
-          </a:bodyPr>
-          <a:p>
-            <a:pPr marL="285750" indent="-285750" algn="l">
-              <a:buFont typeface="Arial" panose="02080604020202020204" pitchFamily="34" charset="0"/>
-              <a:buChar char="•"/>
-            </a:pPr>
-            <a:r>
-              <a:rPr lang="en-US" altLang="en-US">
-                <a:sym typeface="+mn-ea"/>
-              </a:rPr>
-              <a:t>version with shared memory and recursive unroll</a:t>
-            </a:r>
-            <a:endParaRPr lang="en-US" altLang="en-US">
-              <a:sym typeface="+mn-ea"/>
-            </a:endParaRPr>
-          </a:p>
-          <a:p>
-            <a:pPr lvl="2" indent="0" algn="l">
-              <a:buFont typeface="Arial" panose="02080604020202020204" pitchFamily="34" charset="0"/>
-              <a:buNone/>
-            </a:pPr>
-            <a:r>
-              <a:rPr lang="en-US" altLang="en-US"/>
-              <a:t>-threads per block increace to 32</a:t>
-            </a:r>
-            <a:endParaRPr lang="en-US" altLang="en-US"/>
-          </a:p>
-        </p:txBody>
-      </p:sp>
-      <p:sp>
-        <p:nvSpPr>
-          <p:cNvPr id="17" name="Text Box 16"/>
-          <p:cNvSpPr txBox="1"/>
-          <p:nvPr/>
-        </p:nvSpPr>
-        <p:spPr>
-          <a:xfrm>
-            <a:off x="1313180" y="4807585"/>
-            <a:ext cx="7510145" cy="368300"/>
-          </a:xfrm>
-          <a:prstGeom prst="rect">
-            <a:avLst/>
-          </a:prstGeom>
-          <a:noFill/>
-        </p:spPr>
-        <p:txBody>
-          <a:bodyPr wrap="square" rtlCol="0" anchor="t">
-            <a:spAutoFit/>
-          </a:bodyPr>
-          <a:p>
-            <a:pPr marL="285750" indent="-285750">
-              <a:buFont typeface="Arial" panose="02080604020202020204" pitchFamily="34" charset="0"/>
-              <a:buChar char="•"/>
-            </a:pPr>
-            <a:r>
-              <a:rPr lang="en-US"/>
-              <a:t>Used 28 registers, 8192 bytes smem, 385 bytes cmem[0]</a:t>
-            </a:r>
-            <a:endParaRPr lang="en-US"/>
           </a:p>
         </p:txBody>
       </p:sp>
@@ -3706,6 +3872,421 @@
             <a:pPr algn="l"/>
             <a:r>
               <a:rPr lang="" altLang="en-US" sz="2800"/>
+              <a:t>6</a:t>
+            </a:r>
+            <a:r>
+              <a:rPr lang="en-US" altLang="en-US" sz="2800"/>
+              <a:t>, GPU implementation</a:t>
+            </a:r>
+            <a:endParaRPr lang="en-US" altLang="en-US" sz="2800"/>
+          </a:p>
+        </p:txBody>
+      </p:sp>
+      <p:sp>
+        <p:nvSpPr>
+          <p:cNvPr id="7" name="Text Box 6"/>
+          <p:cNvSpPr txBox="1"/>
+          <p:nvPr/>
+        </p:nvSpPr>
+        <p:spPr>
+          <a:xfrm>
+            <a:off x="1313180" y="3630295"/>
+            <a:ext cx="7548245" cy="368300"/>
+          </a:xfrm>
+          <a:prstGeom prst="rect">
+            <a:avLst/>
+          </a:prstGeom>
+          <a:noFill/>
+        </p:spPr>
+        <p:txBody>
+          <a:bodyPr wrap="square" rtlCol="0" anchor="t">
+            <a:spAutoFit/>
+          </a:bodyPr>
+          <a:p>
+            <a:pPr marL="285750" indent="-285750">
+              <a:buFont typeface="Arial" panose="02080604020202020204" pitchFamily="34" charset="0"/>
+              <a:buChar char="•"/>
+            </a:pPr>
+            <a:r>
+              <a:rPr lang="en-US"/>
+              <a:t>Used 27 registers, 2048 bytes smem, 385 bytes cmem[0]</a:t>
+            </a:r>
+            <a:endParaRPr lang="en-US"/>
+          </a:p>
+        </p:txBody>
+      </p:sp>
+      <p:sp>
+        <p:nvSpPr>
+          <p:cNvPr id="8" name="Text Box 7"/>
+          <p:cNvSpPr txBox="1"/>
+          <p:nvPr/>
+        </p:nvSpPr>
+        <p:spPr>
+          <a:xfrm>
+            <a:off x="1313180" y="2673985"/>
+            <a:ext cx="7113905" cy="368300"/>
+          </a:xfrm>
+          <a:prstGeom prst="rect">
+            <a:avLst/>
+          </a:prstGeom>
+          <a:noFill/>
+        </p:spPr>
+        <p:txBody>
+          <a:bodyPr wrap="square" rtlCol="0" anchor="t">
+            <a:spAutoFit/>
+          </a:bodyPr>
+          <a:p>
+            <a:pPr marL="285750" indent="-285750">
+              <a:buFont typeface="Arial" panose="02080604020202020204" pitchFamily="34" charset="0"/>
+              <a:buChar char="•"/>
+            </a:pPr>
+            <a:r>
+              <a:rPr lang="en-US"/>
+              <a:t>Used 32 registers, 385 bytes cmem[0], 4 bytes cmem[2]</a:t>
+            </a:r>
+            <a:endParaRPr lang="en-US"/>
+          </a:p>
+        </p:txBody>
+      </p:sp>
+      <p:sp>
+        <p:nvSpPr>
+          <p:cNvPr id="9" name="Text Box 8"/>
+          <p:cNvSpPr txBox="1"/>
+          <p:nvPr/>
+        </p:nvSpPr>
+        <p:spPr>
+          <a:xfrm>
+            <a:off x="817880" y="2305685"/>
+            <a:ext cx="3660140" cy="368300"/>
+          </a:xfrm>
+          <a:prstGeom prst="rect">
+            <a:avLst/>
+          </a:prstGeom>
+          <a:noFill/>
+        </p:spPr>
+        <p:txBody>
+          <a:bodyPr wrap="none" rtlCol="0">
+            <a:spAutoFit/>
+          </a:bodyPr>
+          <a:p>
+            <a:pPr marL="285750" indent="-285750">
+              <a:buFont typeface="Arial" panose="02080604020202020204" pitchFamily="34" charset="0"/>
+              <a:buChar char="•"/>
+            </a:pPr>
+            <a:r>
+              <a:rPr lang="en-US" altLang="en-US"/>
+              <a:t>version with global memory</a:t>
+            </a:r>
+            <a:endParaRPr lang="en-US" altLang="en-US"/>
+          </a:p>
+        </p:txBody>
+      </p:sp>
+      <p:sp>
+        <p:nvSpPr>
+          <p:cNvPr id="10" name="Text Box 9"/>
+          <p:cNvSpPr txBox="1"/>
+          <p:nvPr/>
+        </p:nvSpPr>
+        <p:spPr>
+          <a:xfrm>
+            <a:off x="817880" y="3185795"/>
+            <a:ext cx="3813810" cy="368300"/>
+          </a:xfrm>
+          <a:prstGeom prst="rect">
+            <a:avLst/>
+          </a:prstGeom>
+          <a:noFill/>
+        </p:spPr>
+        <p:txBody>
+          <a:bodyPr wrap="none" rtlCol="0">
+            <a:spAutoFit/>
+          </a:bodyPr>
+          <a:p>
+            <a:pPr marL="285750" indent="-285750">
+              <a:buFont typeface="Arial" panose="02080604020202020204" pitchFamily="34" charset="0"/>
+              <a:buChar char="•"/>
+            </a:pPr>
+            <a:r>
+              <a:rPr lang="en-US" altLang="en-US"/>
+              <a:t>version with shared memory </a:t>
+            </a:r>
+            <a:endParaRPr lang="en-US" altLang="en-US"/>
+          </a:p>
+        </p:txBody>
+      </p:sp>
+      <p:sp>
+        <p:nvSpPr>
+          <p:cNvPr id="13" name="Text Box 12"/>
+          <p:cNvSpPr txBox="1"/>
+          <p:nvPr/>
+        </p:nvSpPr>
+        <p:spPr>
+          <a:xfrm>
+            <a:off x="817880" y="5948680"/>
+            <a:ext cx="5635625" cy="368300"/>
+          </a:xfrm>
+          <a:prstGeom prst="rect">
+            <a:avLst/>
+          </a:prstGeom>
+          <a:noFill/>
+        </p:spPr>
+        <p:txBody>
+          <a:bodyPr wrap="none" rtlCol="0">
+            <a:spAutoFit/>
+          </a:bodyPr>
+          <a:p>
+            <a:pPr marL="285750" indent="-285750">
+              <a:buFont typeface="Arial" panose="02080604020202020204" pitchFamily="34" charset="0"/>
+              <a:buChar char="•"/>
+            </a:pPr>
+            <a:r>
+              <a:rPr lang="en-US" altLang="en-US"/>
+              <a:t>all of these version</a:t>
+            </a:r>
+            <a:r>
+              <a:rPr lang="" altLang="en-US"/>
+              <a:t>s</a:t>
+            </a:r>
+            <a:r>
+              <a:rPr lang="en-US" altLang="en-US"/>
+              <a:t> have a 100% occupancy</a:t>
+            </a:r>
+            <a:endParaRPr lang="en-US" altLang="en-US"/>
+          </a:p>
+        </p:txBody>
+      </p:sp>
+      <p:sp>
+        <p:nvSpPr>
+          <p:cNvPr id="15" name="Text Box 14"/>
+          <p:cNvSpPr txBox="1"/>
+          <p:nvPr/>
+        </p:nvSpPr>
+        <p:spPr>
+          <a:xfrm>
+            <a:off x="1313180" y="5175885"/>
+            <a:ext cx="7489825" cy="368300"/>
+          </a:xfrm>
+          <a:prstGeom prst="rect">
+            <a:avLst/>
+          </a:prstGeom>
+          <a:noFill/>
+        </p:spPr>
+        <p:txBody>
+          <a:bodyPr wrap="square" rtlCol="0" anchor="t">
+            <a:spAutoFit/>
+          </a:bodyPr>
+          <a:p>
+            <a:pPr marL="285750" indent="-285750">
+              <a:buFont typeface="Arial" panose="02080604020202020204" pitchFamily="34" charset="0"/>
+              <a:buChar char="•"/>
+            </a:pPr>
+            <a:r>
+              <a:rPr lang="en-US"/>
+              <a:t>Used 12 registers, 4096 bytes smem, 344 bytes cmem[0]</a:t>
+            </a:r>
+            <a:endParaRPr lang="en-US"/>
+          </a:p>
+        </p:txBody>
+      </p:sp>
+      <p:sp>
+        <p:nvSpPr>
+          <p:cNvPr id="16" name="Text Box 15"/>
+          <p:cNvSpPr txBox="1"/>
+          <p:nvPr/>
+        </p:nvSpPr>
+        <p:spPr>
+          <a:xfrm>
+            <a:off x="822325" y="4162425"/>
+            <a:ext cx="6086475" cy="645160"/>
+          </a:xfrm>
+          <a:prstGeom prst="rect">
+            <a:avLst/>
+          </a:prstGeom>
+          <a:noFill/>
+        </p:spPr>
+        <p:txBody>
+          <a:bodyPr wrap="none" rtlCol="0">
+            <a:spAutoFit/>
+          </a:bodyPr>
+          <a:p>
+            <a:pPr marL="285750" indent="-285750" algn="l">
+              <a:buFont typeface="Arial" panose="02080604020202020204" pitchFamily="34" charset="0"/>
+              <a:buChar char="•"/>
+            </a:pPr>
+            <a:r>
+              <a:rPr lang="en-US" altLang="en-US">
+                <a:sym typeface="+mn-ea"/>
+              </a:rPr>
+              <a:t>version with shared memory and recursive unroll</a:t>
+            </a:r>
+            <a:endParaRPr lang="en-US" altLang="en-US">
+              <a:sym typeface="+mn-ea"/>
+            </a:endParaRPr>
+          </a:p>
+          <a:p>
+            <a:pPr lvl="2" indent="0" algn="l">
+              <a:buFont typeface="Arial" panose="02080604020202020204" pitchFamily="34" charset="0"/>
+              <a:buNone/>
+            </a:pPr>
+            <a:r>
+              <a:rPr lang="en-US" altLang="en-US"/>
+              <a:t>-threads per block increace to 32</a:t>
+            </a:r>
+            <a:endParaRPr lang="en-US" altLang="en-US"/>
+          </a:p>
+        </p:txBody>
+      </p:sp>
+      <p:sp>
+        <p:nvSpPr>
+          <p:cNvPr id="17" name="Text Box 16"/>
+          <p:cNvSpPr txBox="1"/>
+          <p:nvPr/>
+        </p:nvSpPr>
+        <p:spPr>
+          <a:xfrm>
+            <a:off x="1313180" y="4807585"/>
+            <a:ext cx="7510145" cy="368300"/>
+          </a:xfrm>
+          <a:prstGeom prst="rect">
+            <a:avLst/>
+          </a:prstGeom>
+          <a:noFill/>
+        </p:spPr>
+        <p:txBody>
+          <a:bodyPr wrap="square" rtlCol="0" anchor="t">
+            <a:spAutoFit/>
+          </a:bodyPr>
+          <a:p>
+            <a:pPr marL="285750" indent="-285750">
+              <a:buFont typeface="Arial" panose="02080604020202020204" pitchFamily="34" charset="0"/>
+              <a:buChar char="•"/>
+            </a:pPr>
+            <a:r>
+              <a:rPr lang="en-US"/>
+              <a:t>Used 28 registers, 8192 bytes smem, 385 bytes cmem[0]</a:t>
+            </a:r>
+            <a:endParaRPr lang="en-US"/>
+          </a:p>
+        </p:txBody>
+      </p:sp>
+      <p:sp>
+        <p:nvSpPr>
+          <p:cNvPr id="3" name="Text Box 2"/>
+          <p:cNvSpPr txBox="1"/>
+          <p:nvPr/>
+        </p:nvSpPr>
+        <p:spPr>
+          <a:xfrm>
+            <a:off x="1313180" y="1734185"/>
+            <a:ext cx="5519420" cy="368300"/>
+          </a:xfrm>
+          <a:prstGeom prst="rect">
+            <a:avLst/>
+          </a:prstGeom>
+          <a:noFill/>
+        </p:spPr>
+        <p:txBody>
+          <a:bodyPr wrap="square" rtlCol="0" anchor="t">
+            <a:spAutoFit/>
+          </a:bodyPr>
+          <a:p>
+            <a:pPr marL="285750" indent="-285750">
+              <a:buFont typeface="Arial" panose="02080604020202020204" pitchFamily="34" charset="0"/>
+              <a:buChar char="•"/>
+            </a:pPr>
+            <a:r>
+              <a:rPr lang="en-US"/>
+              <a:t>Used 12 registers, 336 bytes cmem[0]</a:t>
+            </a:r>
+            <a:endParaRPr lang="en-US"/>
+          </a:p>
+        </p:txBody>
+      </p:sp>
+      <p:sp>
+        <p:nvSpPr>
+          <p:cNvPr id="4" name="Text Box 3"/>
+          <p:cNvSpPr txBox="1"/>
+          <p:nvPr/>
+        </p:nvSpPr>
+        <p:spPr>
+          <a:xfrm>
+            <a:off x="817880" y="1350645"/>
+            <a:ext cx="3788410" cy="368300"/>
+          </a:xfrm>
+          <a:prstGeom prst="rect">
+            <a:avLst/>
+          </a:prstGeom>
+          <a:noFill/>
+        </p:spPr>
+        <p:txBody>
+          <a:bodyPr wrap="none" rtlCol="0" anchor="t">
+            <a:spAutoFit/>
+          </a:bodyPr>
+          <a:p>
+            <a:pPr marL="285750" indent="-285750">
+              <a:buFont typeface="Arial" panose="02080604020202020204" pitchFamily="34" charset="0"/>
+              <a:buChar char="•"/>
+            </a:pPr>
+            <a:r>
+              <a:rPr lang="en-US" altLang="en-US">
+                <a:sym typeface="+mn-ea"/>
+              </a:rPr>
+              <a:t>version </a:t>
+            </a:r>
+            <a:r>
+              <a:rPr lang="" altLang="en-US">
+                <a:sym typeface="+mn-ea"/>
+              </a:rPr>
+              <a:t>of gpu-floyd-warshall</a:t>
+            </a:r>
+            <a:endParaRPr lang="" altLang="en-US">
+              <a:sym typeface="+mn-ea"/>
+            </a:endParaRPr>
+          </a:p>
+        </p:txBody>
+      </p:sp>
+    </p:spTree>
+  </p:cSld>
+  <p:clrMapOvr>
+    <a:masterClrMapping/>
+  </p:clrMapOvr>
+</p:sld>
+</file>
+
+<file path=ppt/slides/slide15.xml><?xml version="1.0" encoding="utf-8"?>
+<p:sld xmlns:a="http://schemas.openxmlformats.org/drawingml/2006/main" xmlns:r="http://schemas.openxmlformats.org/officeDocument/2006/relationships" xmlns:p="http://schemas.openxmlformats.org/presentationml/2006/main">
+  <p:cSld>
+    <p:spTree>
+      <p:nvGrpSpPr>
+        <p:cNvPr id="1" name=""/>
+        <p:cNvGrpSpPr/>
+        <p:nvPr/>
+      </p:nvGrpSpPr>
+      <p:grpSpPr/>
+      <p:sp>
+        <p:nvSpPr>
+          <p:cNvPr id="2" name="Title 1"/>
+          <p:cNvSpPr>
+            <a:spLocks noGrp="1"/>
+          </p:cNvSpPr>
+          <p:nvPr>
+            <p:ph type="ctrTitle"/>
+          </p:nvPr>
+        </p:nvSpPr>
+        <p:spPr>
+          <a:xfrm>
+            <a:off x="259715" y="553720"/>
+            <a:ext cx="5607050" cy="633730"/>
+          </a:xfrm>
+        </p:spPr>
+        <p:txBody>
+          <a:bodyPr>
+            <a:normAutofit/>
+          </a:bodyPr>
+          <a:p>
+            <a:pPr algn="l"/>
+            <a:r>
+              <a:rPr lang="" altLang="en-US" sz="2800"/>
               <a:t>7</a:t>
             </a:r>
             <a:r>
@@ -3736,8 +4317,8 @@
         </p:blipFill>
         <p:spPr>
           <a:xfrm>
-            <a:off x="1409700" y="1344930"/>
-            <a:ext cx="4940935" cy="3497580"/>
+            <a:off x="1147445" y="1132205"/>
+            <a:ext cx="6129655" cy="4339590"/>
           </a:xfrm>
           <a:prstGeom prst="rect">
             <a:avLst/>
@@ -3753,7 +4334,7 @@
         <p:spPr>
           <a:xfrm>
             <a:off x="1049655" y="5621655"/>
-            <a:ext cx="5300980" cy="368300"/>
+            <a:ext cx="7161530" cy="368300"/>
           </a:xfrm>
           <a:prstGeom prst="rect">
             <a:avLst/>
@@ -3767,7 +4348,7 @@
           <a:p>
             <a:r>
               <a:rPr lang="" altLang="en-US"/>
-              <a:t>16 hours can now reduce to only 10 seconds</a:t>
+              <a:t>16 hours' computing can now be reduced to only 10 seconds</a:t>
             </a:r>
             <a:endParaRPr lang="" altLang="en-US"/>
           </a:p>
@@ -3827,7 +4408,7 @@
         </p:nvSpPr>
         <p:spPr>
           <a:xfrm>
-            <a:off x="1155065" y="1267460"/>
+            <a:off x="1359535" y="1096010"/>
             <a:ext cx="5229225" cy="368300"/>
           </a:xfrm>
           <a:prstGeom prst="rect">
@@ -4182,7 +4763,19 @@
             </a:pPr>
             <a:r>
               <a:rPr lang="" altLang="en-US"/>
-              <a:t>an iteration algorithm over k(number of vertices)</a:t>
+              <a:t>an </a:t>
+            </a:r>
+            <a:r>
+              <a:rPr lang="" altLang="en-US">
+                <a:solidFill>
+                  <a:schemeClr val="accent2"/>
+                </a:solidFill>
+              </a:rPr>
+              <a:t>iteration algorithm</a:t>
+            </a:r>
+            <a:r>
+              <a:rPr lang="" altLang="en-US"/>
+              <a:t> over k(number of vertices)</a:t>
             </a:r>
             <a:endParaRPr lang="" altLang="en-US"/>
           </a:p>
@@ -4304,8 +4897,8 @@
         </p:nvSpPr>
         <p:spPr>
           <a:xfrm>
-            <a:off x="259715" y="553720"/>
-            <a:ext cx="4942840" cy="633730"/>
+            <a:off x="259715" y="545465"/>
+            <a:ext cx="5446395" cy="641985"/>
           </a:xfrm>
         </p:spPr>
         <p:txBody>
@@ -4324,7 +4917,7 @@
             </a:r>
             <a:r>
               <a:rPr lang="" altLang="en-US" sz="2800"/>
-              <a:t>Why is GPU suited to APSP</a:t>
+              <a:t>Why is GPU suitable for APSP</a:t>
             </a:r>
             <a:endParaRPr lang="" altLang="en-US" sz="2800"/>
           </a:p>
@@ -4458,7 +5051,7 @@
             </a:pPr>
             <a:r>
               <a:rPr lang="" altLang="en-US"/>
-              <a:t>An recursive algorithm which makes the compute for each pair independent</a:t>
+              <a:t>An recursive algorithm which makes the compute for each pair of vertices independent</a:t>
             </a:r>
             <a:endParaRPr lang="" altLang="en-US"/>
           </a:p>
@@ -4660,7 +5253,7 @@
         </p:nvSpPr>
         <p:spPr>
           <a:xfrm>
-            <a:off x="1395730" y="3556635"/>
+            <a:off x="1395730" y="4536440"/>
             <a:ext cx="4848225" cy="368300"/>
           </a:xfrm>
           <a:prstGeom prst="rect">
@@ -4680,6 +5273,39 @@
             <a:r>
               <a:rPr lang="" altLang="en-US"/>
               <a:t>number of vertices from 100 to 20000</a:t>
+            </a:r>
+            <a:endParaRPr lang="" altLang="en-US"/>
+          </a:p>
+        </p:txBody>
+      </p:sp>
+      <p:sp>
+        <p:nvSpPr>
+          <p:cNvPr id="11" name="Text Box 10"/>
+          <p:cNvSpPr txBox="1"/>
+          <p:nvPr/>
+        </p:nvSpPr>
+        <p:spPr>
+          <a:xfrm>
+            <a:off x="1937385" y="3432810"/>
+            <a:ext cx="4777740" cy="922020"/>
+          </a:xfrm>
+          <a:prstGeom prst="rect">
+            <a:avLst/>
+          </a:prstGeom>
+          <a:noFill/>
+        </p:spPr>
+        <p:txBody>
+          <a:bodyPr wrap="square" rtlCol="0">
+            <a:spAutoFit/>
+          </a:bodyPr>
+          <a:p>
+            <a:pPr marL="285750" indent="-285750">
+              <a:buFont typeface="Arial" panose="02080604020202020204" pitchFamily="34" charset="0"/>
+              <a:buChar char="•"/>
+            </a:pPr>
+            <a:r>
+              <a:rPr lang="" altLang="en-US"/>
+              <a:t>doesn't influence the running time of algorithm unless we use a sparse version</a:t>
             </a:r>
             <a:endParaRPr lang="" altLang="en-US"/>
           </a:p>
@@ -4810,7 +5436,7 @@
         </p:nvSpPr>
         <p:spPr>
           <a:xfrm>
-            <a:off x="1481455" y="2536825"/>
+            <a:off x="1481455" y="3204210"/>
             <a:ext cx="3163570" cy="922020"/>
           </a:xfrm>
           <a:prstGeom prst="rect">
@@ -4830,6 +5456,10 @@
             <a:r>
               <a:rPr lang="en-US" altLang="en-US"/>
               <a:t>exact </a:t>
+            </a:r>
+            <a:r>
+              <a:rPr lang="" altLang="en-US"/>
+              <a:t>a </a:t>
             </a:r>
             <a:r>
               <a:rPr lang="en-US" altLang="en-US">
@@ -4856,6 +5486,39 @@
                 <a:schemeClr val="accent2"/>
               </a:solidFill>
             </a:endParaRPr>
+          </a:p>
+        </p:txBody>
+      </p:sp>
+      <p:sp>
+        <p:nvSpPr>
+          <p:cNvPr id="11" name="Text Box 10"/>
+          <p:cNvSpPr txBox="1"/>
+          <p:nvPr/>
+        </p:nvSpPr>
+        <p:spPr>
+          <a:xfrm>
+            <a:off x="1481455" y="2717165"/>
+            <a:ext cx="3309620" cy="368300"/>
+          </a:xfrm>
+          <a:prstGeom prst="rect">
+            <a:avLst/>
+          </a:prstGeom>
+          <a:noFill/>
+        </p:spPr>
+        <p:txBody>
+          <a:bodyPr wrap="none" rtlCol="0">
+            <a:spAutoFit/>
+          </a:bodyPr>
+          <a:p>
+            <a:pPr marL="285750" indent="-285750">
+              <a:buFont typeface="Arial" panose="02080604020202020204" pitchFamily="34" charset="0"/>
+              <a:buChar char="•"/>
+            </a:pPr>
+            <a:r>
+              <a:rPr lang="" altLang="en-US"/>
+              <a:t>Floyd-Warshall algorithm</a:t>
+            </a:r>
+            <a:endParaRPr lang="" altLang="en-US"/>
           </a:p>
         </p:txBody>
       </p:sp>
@@ -4994,7 +5657,7 @@
         <p:spPr>
           <a:xfrm>
             <a:off x="1807210" y="2257425"/>
-            <a:ext cx="3531870" cy="368300"/>
+            <a:ext cx="3597275" cy="368300"/>
           </a:xfrm>
           <a:prstGeom prst="rect">
             <a:avLst/>
@@ -5012,7 +5675,7 @@
             </a:pPr>
             <a:r>
               <a:rPr lang="" altLang="en-US"/>
-              <a:t>GPU version floyd-warshall</a:t>
+              <a:t>GPU version Floyd-Warshall</a:t>
             </a:r>
             <a:endParaRPr lang="" altLang="en-US"/>
           </a:p>
@@ -5027,7 +5690,7 @@
         <p:spPr>
           <a:xfrm>
             <a:off x="1807210" y="3677285"/>
-            <a:ext cx="2566035" cy="368300"/>
+            <a:ext cx="2655570" cy="368300"/>
           </a:xfrm>
           <a:prstGeom prst="rect">
             <a:avLst/>
@@ -5045,7 +5708,7 @@
             </a:pPr>
             <a:r>
               <a:rPr lang="" altLang="en-US"/>
-              <a:t>R-keene algorithm</a:t>
+              <a:t>R-Kleene algorithm</a:t>
             </a:r>
             <a:endParaRPr lang="" altLang="en-US"/>
           </a:p>
@@ -5242,7 +5905,7 @@
         </p:nvSpPr>
         <p:spPr>
           <a:xfrm>
-            <a:off x="7465060" y="5670550"/>
+            <a:off x="7375525" y="5695315"/>
             <a:ext cx="754380" cy="368300"/>
           </a:xfrm>
           <a:prstGeom prst="rect">
@@ -5412,7 +6075,7 @@
         <p:spPr>
           <a:xfrm>
             <a:off x="683895" y="5040630"/>
-            <a:ext cx="3165475" cy="368300"/>
+            <a:ext cx="3401060" cy="368300"/>
           </a:xfrm>
           <a:prstGeom prst="rect">
             <a:avLst/>
@@ -5426,7 +6089,7 @@
           <a:p>
             <a:r>
               <a:rPr lang="" altLang="en-US"/>
-              <a:t>use shared memory next?</a:t>
+              <a:t>Using shared memory next?</a:t>
             </a:r>
             <a:endParaRPr lang="" altLang="en-US"/>
           </a:p>
@@ -5548,40 +6211,16 @@
           </a:p>
         </p:txBody>
       </p:sp>
-      <p:pic>
-        <p:nvPicPr>
-          <p:cNvPr id="5" name="Picture 4"/>
-          <p:cNvPicPr>
-            <a:picLocks noChangeAspect="1"/>
-          </p:cNvPicPr>
-          <p:nvPr/>
-        </p:nvPicPr>
-        <p:blipFill>
-          <a:blip r:embed="rId1"/>
-          <a:stretch>
-            <a:fillRect/>
-          </a:stretch>
-        </p:blipFill>
-        <p:spPr>
-          <a:xfrm>
-            <a:off x="4642485" y="2611755"/>
-            <a:ext cx="3714115" cy="2800350"/>
-          </a:xfrm>
-          <a:prstGeom prst="rect">
-            <a:avLst/>
-          </a:prstGeom>
-        </p:spPr>
-      </p:pic>
-      <p:sp>
-        <p:nvSpPr>
-          <p:cNvPr id="7" name="Text Box 6"/>
+      <p:sp>
+        <p:nvSpPr>
+          <p:cNvPr id="8" name="Text Box 7"/>
           <p:cNvSpPr txBox="1"/>
           <p:nvPr/>
         </p:nvSpPr>
         <p:spPr>
           <a:xfrm>
-            <a:off x="7548245" y="5700395"/>
-            <a:ext cx="676910" cy="368300"/>
+            <a:off x="802640" y="2038350"/>
+            <a:ext cx="3708400" cy="645160"/>
           </a:xfrm>
           <a:prstGeom prst="rect">
             <a:avLst/>
@@ -5595,22 +6234,154 @@
           <a:p>
             <a:r>
               <a:rPr lang="" altLang="en-US"/>
-              <a:t>1x</a:t>
+              <a:t>Recursive R-Kleene algorithm is more friendly for GPU</a:t>
             </a:r>
             <a:endParaRPr lang="" altLang="en-US"/>
           </a:p>
         </p:txBody>
       </p:sp>
-      <p:sp>
-        <p:nvSpPr>
-          <p:cNvPr id="8" name="Text Box 7"/>
+      <p:graphicFrame>
+        <p:nvGraphicFramePr>
+          <p:cNvPr id="9" name="Table 8"/>
+          <p:cNvGraphicFramePr/>
+          <p:nvPr/>
+        </p:nvGraphicFramePr>
+        <p:xfrm>
+          <a:off x="5774690" y="2237740"/>
+          <a:ext cx="886460" cy="762000"/>
+        </p:xfrm>
+        <a:graphic>
+          <a:graphicData uri="http://schemas.openxmlformats.org/drawingml/2006/table">
+            <a:tbl>
+              <a:tblPr firstRow="1" bandRow="1">
+                <a:tableStyleId>{5C22544A-7EE6-4342-B048-85BDC9FD1C3A}</a:tableStyleId>
+              </a:tblPr>
+              <a:tblGrid>
+                <a:gridCol w="443230"/>
+                <a:gridCol w="443230"/>
+              </a:tblGrid>
+              <a:tr h="381000">
+                <a:tc>
+                  <a:txBody>
+                    <a:bodyPr/>
+                    <a:p>
+                      <a:pPr>
+                        <a:buNone/>
+                      </a:pPr>
+                      <a:r>
+                        <a:rPr lang="" altLang="en-US">
+                          <a:solidFill>
+                            <a:schemeClr val="accent2"/>
+                          </a:solidFill>
+                        </a:rPr>
+                        <a:t>A</a:t>
+                      </a:r>
+                      <a:endParaRPr lang="" altLang="en-US">
+                        <a:solidFill>
+                          <a:schemeClr val="accent2"/>
+                        </a:solidFill>
+                      </a:endParaRPr>
+                    </a:p>
+                  </a:txBody>
+                  <a:tcPr>
+                    <a:noFill/>
+                  </a:tcPr>
+                </a:tc>
+                <a:tc>
+                  <a:txBody>
+                    <a:bodyPr/>
+                    <a:p>
+                      <a:pPr algn="l">
+                        <a:buNone/>
+                      </a:pPr>
+                      <a:r>
+                        <a:rPr lang="en-US" altLang="en-US">
+                          <a:solidFill>
+                            <a:schemeClr val="accent2"/>
+                          </a:solidFill>
+                        </a:rPr>
+                        <a:t>B</a:t>
+                      </a:r>
+                      <a:endParaRPr lang="en-US" altLang="en-US">
+                        <a:solidFill>
+                          <a:schemeClr val="accent2"/>
+                        </a:solidFill>
+                      </a:endParaRPr>
+                    </a:p>
+                  </a:txBody>
+                  <a:tcPr>
+                    <a:noFill/>
+                  </a:tcPr>
+                </a:tc>
+              </a:tr>
+              <a:tr h="381000">
+                <a:tc>
+                  <a:txBody>
+                    <a:bodyPr/>
+                    <a:p>
+                      <a:pPr algn="l">
+                        <a:buNone/>
+                      </a:pPr>
+                      <a:r>
+                        <a:rPr lang="en-US" altLang="en-US" b="1">
+                          <a:solidFill>
+                            <a:schemeClr val="accent2"/>
+                          </a:solidFill>
+                        </a:rPr>
+                        <a:t>C</a:t>
+                      </a:r>
+                      <a:endParaRPr lang="en-US" altLang="en-US" b="1">
+                        <a:solidFill>
+                          <a:schemeClr val="accent2"/>
+                        </a:solidFill>
+                      </a:endParaRPr>
+                    </a:p>
+                  </a:txBody>
+                  <a:tcPr>
+                    <a:noFill/>
+                  </a:tcPr>
+                </a:tc>
+                <a:tc>
+                  <a:txBody>
+                    <a:bodyPr/>
+                    <a:p>
+                      <a:pPr algn="l">
+                        <a:buNone/>
+                      </a:pPr>
+                      <a:r>
+                        <a:rPr lang="en-US" altLang="en-US" b="1">
+                          <a:solidFill>
+                            <a:schemeClr val="accent2"/>
+                          </a:solidFill>
+                        </a:rPr>
+                        <a:t>D</a:t>
+                      </a:r>
+                      <a:endParaRPr lang="en-US" altLang="en-US" b="1">
+                        <a:solidFill>
+                          <a:schemeClr val="accent2"/>
+                        </a:solidFill>
+                      </a:endParaRPr>
+                    </a:p>
+                  </a:txBody>
+                  <a:tcPr>
+                    <a:noFill/>
+                  </a:tcPr>
+                </a:tc>
+              </a:tr>
+            </a:tbl>
+          </a:graphicData>
+        </a:graphic>
+      </p:graphicFrame>
+      <p:sp>
+        <p:nvSpPr>
+          <p:cNvPr id="10" name="Text Box 9"/>
           <p:cNvSpPr txBox="1"/>
           <p:nvPr/>
         </p:nvSpPr>
         <p:spPr>
           <a:xfrm>
-            <a:off x="601980" y="2546350"/>
-            <a:ext cx="3708400" cy="645160"/>
+            <a:off x="393065" y="3065145"/>
+            <a:ext cx="4117975" cy="2584450"/>
           </a:xfrm>
           <a:prstGeom prst="rect">
             <a:avLst/>
@@ -5618,15 +6389,1414 @@
           <a:noFill/>
         </p:spPr>
         <p:txBody>
-          <a:bodyPr wrap="square" rtlCol="0">
+          <a:bodyPr wrap="none" rtlCol="0">
             <a:spAutoFit/>
           </a:bodyPr>
           <a:p>
             <a:r>
               <a:rPr lang="" altLang="en-US"/>
-              <a:t>Recursive R-keene algorithm is more friendly for GPU</a:t>
+              <a:t>      R-Kleene(*):</a:t>
             </a:r>
             <a:endParaRPr lang="" altLang="en-US"/>
+          </a:p>
+          <a:p>
+            <a:r>
+              <a:rPr lang="" altLang="en-US"/>
+              <a:t>	</a:t>
+            </a:r>
+            <a:r>
+              <a:rPr lang="" altLang="en-US">
+                <a:solidFill>
+                  <a:schemeClr val="accent6"/>
+                </a:solidFill>
+              </a:rPr>
+              <a:t>1, R-Kleene(A)</a:t>
+            </a:r>
+            <a:endParaRPr lang="" altLang="en-US">
+              <a:solidFill>
+                <a:schemeClr val="accent6"/>
+              </a:solidFill>
+            </a:endParaRPr>
+          </a:p>
+          <a:p>
+            <a:r>
+              <a:rPr lang="" altLang="en-US"/>
+              <a:t>	</a:t>
+            </a:r>
+            <a:r>
+              <a:rPr lang="" altLang="en-US">
+                <a:solidFill>
+                  <a:schemeClr val="accent1">
+                    <a:lumMod val="75000"/>
+                  </a:schemeClr>
+                </a:solidFill>
+              </a:rPr>
+              <a:t>2, Update B using A</a:t>
+            </a:r>
+            <a:endParaRPr lang="" altLang="en-US">
+              <a:solidFill>
+                <a:schemeClr val="accent1">
+                  <a:lumMod val="75000"/>
+                </a:schemeClr>
+              </a:solidFill>
+            </a:endParaRPr>
+          </a:p>
+          <a:p>
+            <a:r>
+              <a:rPr lang="" altLang="en-US">
+                <a:solidFill>
+                  <a:schemeClr val="accent1">
+                    <a:lumMod val="75000"/>
+                  </a:schemeClr>
+                </a:solidFill>
+              </a:rPr>
+              <a:t>	3, Update C using A</a:t>
+            </a:r>
+            <a:endParaRPr lang="" altLang="en-US">
+              <a:solidFill>
+                <a:schemeClr val="accent1">
+                  <a:lumMod val="75000"/>
+                </a:schemeClr>
+              </a:solidFill>
+            </a:endParaRPr>
+          </a:p>
+          <a:p>
+            <a:r>
+              <a:rPr lang="" altLang="en-US">
+                <a:solidFill>
+                  <a:schemeClr val="accent1">
+                    <a:lumMod val="75000"/>
+                  </a:schemeClr>
+                </a:solidFill>
+              </a:rPr>
+              <a:t>	4, Update D using C and B</a:t>
+            </a:r>
+            <a:endParaRPr lang="" altLang="en-US">
+              <a:solidFill>
+                <a:schemeClr val="accent1">
+                  <a:lumMod val="75000"/>
+                </a:schemeClr>
+              </a:solidFill>
+            </a:endParaRPr>
+          </a:p>
+          <a:p>
+            <a:r>
+              <a:rPr lang="" altLang="en-US"/>
+              <a:t>	</a:t>
+            </a:r>
+            <a:r>
+              <a:rPr lang="" altLang="en-US">
+                <a:solidFill>
+                  <a:schemeClr val="accent6"/>
+                </a:solidFill>
+              </a:rPr>
+              <a:t>4, R-Kleene(D)</a:t>
+            </a:r>
+            <a:endParaRPr lang="" altLang="en-US">
+              <a:solidFill>
+                <a:schemeClr val="accent6"/>
+              </a:solidFill>
+            </a:endParaRPr>
+          </a:p>
+          <a:p>
+            <a:r>
+              <a:rPr lang="" altLang="en-US"/>
+              <a:t>	</a:t>
+            </a:r>
+            <a:r>
+              <a:rPr lang="" altLang="en-US">
+                <a:solidFill>
+                  <a:schemeClr val="accent1">
+                    <a:lumMod val="75000"/>
+                  </a:schemeClr>
+                </a:solidFill>
+              </a:rPr>
+              <a:t>5, Update B using D</a:t>
+            </a:r>
+            <a:endParaRPr lang="" altLang="en-US">
+              <a:solidFill>
+                <a:schemeClr val="accent1">
+                  <a:lumMod val="75000"/>
+                </a:schemeClr>
+              </a:solidFill>
+            </a:endParaRPr>
+          </a:p>
+          <a:p>
+            <a:r>
+              <a:rPr lang="" altLang="en-US">
+                <a:solidFill>
+                  <a:schemeClr val="accent1">
+                    <a:lumMod val="75000"/>
+                  </a:schemeClr>
+                </a:solidFill>
+              </a:rPr>
+              <a:t>	6, Update C using D</a:t>
+            </a:r>
+            <a:endParaRPr lang="" altLang="en-US">
+              <a:solidFill>
+                <a:schemeClr val="accent1">
+                  <a:lumMod val="75000"/>
+                </a:schemeClr>
+              </a:solidFill>
+            </a:endParaRPr>
+          </a:p>
+          <a:p>
+            <a:r>
+              <a:rPr lang="" altLang="en-US">
+                <a:solidFill>
+                  <a:schemeClr val="accent1">
+                    <a:lumMod val="75000"/>
+                  </a:schemeClr>
+                </a:solidFill>
+              </a:rPr>
+              <a:t>	7, Update A using B and C</a:t>
+            </a:r>
+            <a:endParaRPr lang="" altLang="en-US">
+              <a:solidFill>
+                <a:schemeClr val="accent1">
+                  <a:lumMod val="75000"/>
+                </a:schemeClr>
+              </a:solidFill>
+            </a:endParaRPr>
+          </a:p>
+        </p:txBody>
+      </p:sp>
+      <p:graphicFrame>
+        <p:nvGraphicFramePr>
+          <p:cNvPr id="12" name="Table 11"/>
+          <p:cNvGraphicFramePr/>
+          <p:nvPr/>
+        </p:nvGraphicFramePr>
+        <p:xfrm>
+          <a:off x="7036435" y="3138170"/>
+          <a:ext cx="1576070" cy="1466850"/>
+        </p:xfrm>
+        <a:graphic>
+          <a:graphicData uri="http://schemas.openxmlformats.org/drawingml/2006/table">
+            <a:tbl>
+              <a:tblPr firstRow="1" bandRow="1">
+                <a:tableStyleId>{5C22544A-7EE6-4342-B048-85BDC9FD1C3A}</a:tableStyleId>
+              </a:tblPr>
+              <a:tblGrid>
+                <a:gridCol w="318770"/>
+                <a:gridCol w="318770"/>
+                <a:gridCol w="334010"/>
+                <a:gridCol w="302260"/>
+                <a:gridCol w="302260"/>
+              </a:tblGrid>
+              <a:tr h="369570">
+                <a:tc>
+                  <a:txBody>
+                    <a:bodyPr/>
+                    <a:p>
+                      <a:pPr>
+                        <a:buNone/>
+                      </a:pPr>
+                      <a:endParaRPr lang="en-US"/>
+                    </a:p>
+                  </a:txBody>
+                  <a:tcPr>
+                    <a:solidFill>
+                      <a:schemeClr val="accent1"/>
+                    </a:solidFill>
+                  </a:tcPr>
+                </a:tc>
+                <a:tc>
+                  <a:txBody>
+                    <a:bodyPr/>
+                    <a:p>
+                      <a:pPr>
+                        <a:buNone/>
+                      </a:pPr>
+                      <a:endParaRPr lang="en-US"/>
+                    </a:p>
+                  </a:txBody>
+                  <a:tcPr>
+                    <a:solidFill>
+                      <a:schemeClr val="accent2"/>
+                    </a:solidFill>
+                  </a:tcPr>
+                </a:tc>
+                <a:tc>
+                  <a:txBody>
+                    <a:bodyPr/>
+                    <a:p>
+                      <a:pPr>
+                        <a:buNone/>
+                      </a:pPr>
+                      <a:endParaRPr lang="en-US"/>
+                    </a:p>
+                  </a:txBody>
+                  <a:tcPr>
+                    <a:solidFill>
+                      <a:schemeClr val="accent1"/>
+                    </a:solidFill>
+                  </a:tcPr>
+                </a:tc>
+                <a:tc>
+                  <a:txBody>
+                    <a:bodyPr/>
+                    <a:p>
+                      <a:pPr>
+                        <a:buNone/>
+                      </a:pPr>
+                      <a:endParaRPr lang="en-US"/>
+                    </a:p>
+                  </a:txBody>
+                  <a:tcPr>
+                    <a:solidFill>
+                      <a:schemeClr val="accent1"/>
+                    </a:solidFill>
+                  </a:tcPr>
+                </a:tc>
+                <a:tc>
+                  <a:txBody>
+                    <a:bodyPr/>
+                    <a:p>
+                      <a:pPr>
+                        <a:buNone/>
+                      </a:pPr>
+                      <a:endParaRPr lang="en-US"/>
+                    </a:p>
+                  </a:txBody>
+                  <a:tcPr>
+                    <a:solidFill>
+                      <a:schemeClr val="accent1"/>
+                    </a:solidFill>
+                  </a:tcPr>
+                </a:tc>
+              </a:tr>
+              <a:tr h="357505">
+                <a:tc>
+                  <a:txBody>
+                    <a:bodyPr/>
+                    <a:p>
+                      <a:pPr>
+                        <a:buNone/>
+                      </a:pPr>
+                      <a:endParaRPr lang="en-US"/>
+                    </a:p>
+                  </a:txBody>
+                  <a:tcPr>
+                    <a:solidFill>
+                      <a:schemeClr val="accent1"/>
+                    </a:solidFill>
+                  </a:tcPr>
+                </a:tc>
+                <a:tc>
+                  <a:txBody>
+                    <a:bodyPr/>
+                    <a:p>
+                      <a:pPr>
+                        <a:buNone/>
+                      </a:pPr>
+                      <a:endParaRPr lang="en-US"/>
+                    </a:p>
+                  </a:txBody>
+                  <a:tcPr>
+                    <a:solidFill>
+                      <a:schemeClr val="accent2"/>
+                    </a:solidFill>
+                  </a:tcPr>
+                </a:tc>
+                <a:tc>
+                  <a:txBody>
+                    <a:bodyPr/>
+                    <a:p>
+                      <a:pPr>
+                        <a:buNone/>
+                      </a:pPr>
+                      <a:endParaRPr lang="en-US"/>
+                    </a:p>
+                  </a:txBody>
+                  <a:tcPr>
+                    <a:solidFill>
+                      <a:schemeClr val="accent1"/>
+                    </a:solidFill>
+                  </a:tcPr>
+                </a:tc>
+                <a:tc>
+                  <a:txBody>
+                    <a:bodyPr/>
+                    <a:p>
+                      <a:pPr>
+                        <a:buNone/>
+                      </a:pPr>
+                      <a:endParaRPr lang="en-US"/>
+                    </a:p>
+                  </a:txBody>
+                  <a:tcPr>
+                    <a:solidFill>
+                      <a:schemeClr val="accent1"/>
+                    </a:solidFill>
+                  </a:tcPr>
+                </a:tc>
+                <a:tc>
+                  <a:txBody>
+                    <a:bodyPr/>
+                    <a:p>
+                      <a:pPr>
+                        <a:buNone/>
+                      </a:pPr>
+                      <a:endParaRPr lang="en-US"/>
+                    </a:p>
+                  </a:txBody>
+                  <a:tcPr>
+                    <a:solidFill>
+                      <a:schemeClr val="accent1"/>
+                    </a:solidFill>
+                  </a:tcPr>
+                </a:tc>
+              </a:tr>
+              <a:tr h="365760">
+                <a:tc>
+                  <a:txBody>
+                    <a:bodyPr/>
+                    <a:p>
+                      <a:pPr>
+                        <a:buNone/>
+                      </a:pPr>
+                      <a:endParaRPr lang="en-US"/>
+                    </a:p>
+                  </a:txBody>
+                  <a:tcPr>
+                    <a:solidFill>
+                      <a:schemeClr val="accent1"/>
+                    </a:solidFill>
+                  </a:tcPr>
+                </a:tc>
+                <a:tc>
+                  <a:txBody>
+                    <a:bodyPr/>
+                    <a:p>
+                      <a:pPr>
+                        <a:buNone/>
+                      </a:pPr>
+                      <a:endParaRPr lang="en-US"/>
+                    </a:p>
+                  </a:txBody>
+                  <a:tcPr>
+                    <a:solidFill>
+                      <a:schemeClr val="accent2"/>
+                    </a:solidFill>
+                  </a:tcPr>
+                </a:tc>
+                <a:tc>
+                  <a:txBody>
+                    <a:bodyPr/>
+                    <a:p>
+                      <a:pPr>
+                        <a:buNone/>
+                      </a:pPr>
+                      <a:endParaRPr lang="en-US"/>
+                    </a:p>
+                  </a:txBody>
+                  <a:tcPr>
+                    <a:solidFill>
+                      <a:schemeClr val="accent1"/>
+                    </a:solidFill>
+                  </a:tcPr>
+                </a:tc>
+                <a:tc>
+                  <a:txBody>
+                    <a:bodyPr/>
+                    <a:p>
+                      <a:pPr>
+                        <a:buNone/>
+                      </a:pPr>
+                      <a:endParaRPr lang="en-US"/>
+                    </a:p>
+                  </a:txBody>
+                  <a:tcPr>
+                    <a:solidFill>
+                      <a:schemeClr val="accent1"/>
+                    </a:solidFill>
+                  </a:tcPr>
+                </a:tc>
+                <a:tc>
+                  <a:txBody>
+                    <a:bodyPr/>
+                    <a:p>
+                      <a:pPr>
+                        <a:buNone/>
+                      </a:pPr>
+                      <a:endParaRPr lang="en-US"/>
+                    </a:p>
+                  </a:txBody>
+                  <a:tcPr>
+                    <a:solidFill>
+                      <a:schemeClr val="accent1"/>
+                    </a:solidFill>
+                  </a:tcPr>
+                </a:tc>
+              </a:tr>
+              <a:tr h="365760">
+                <a:tc>
+                  <a:txBody>
+                    <a:bodyPr/>
+                    <a:p>
+                      <a:pPr>
+                        <a:buNone/>
+                      </a:pPr>
+                      <a:endParaRPr lang="en-US"/>
+                    </a:p>
+                  </a:txBody>
+                  <a:tcPr>
+                    <a:solidFill>
+                      <a:schemeClr val="accent1"/>
+                    </a:solidFill>
+                  </a:tcPr>
+                </a:tc>
+                <a:tc>
+                  <a:txBody>
+                    <a:bodyPr/>
+                    <a:p>
+                      <a:pPr>
+                        <a:buNone/>
+                      </a:pPr>
+                      <a:endParaRPr lang="en-US"/>
+                    </a:p>
+                  </a:txBody>
+                  <a:tcPr>
+                    <a:solidFill>
+                      <a:schemeClr val="accent2"/>
+                    </a:solidFill>
+                  </a:tcPr>
+                </a:tc>
+                <a:tc>
+                  <a:txBody>
+                    <a:bodyPr/>
+                    <a:p>
+                      <a:pPr>
+                        <a:buNone/>
+                      </a:pPr>
+                      <a:endParaRPr lang="en-US"/>
+                    </a:p>
+                  </a:txBody>
+                  <a:tcPr>
+                    <a:solidFill>
+                      <a:schemeClr val="accent1"/>
+                    </a:solidFill>
+                  </a:tcPr>
+                </a:tc>
+                <a:tc>
+                  <a:txBody>
+                    <a:bodyPr/>
+                    <a:p>
+                      <a:pPr>
+                        <a:buNone/>
+                      </a:pPr>
+                      <a:endParaRPr lang="en-US"/>
+                    </a:p>
+                  </a:txBody>
+                  <a:tcPr>
+                    <a:solidFill>
+                      <a:schemeClr val="accent1"/>
+                    </a:solidFill>
+                  </a:tcPr>
+                </a:tc>
+                <a:tc>
+                  <a:txBody>
+                    <a:bodyPr/>
+                    <a:p>
+                      <a:pPr>
+                        <a:buNone/>
+                      </a:pPr>
+                      <a:endParaRPr lang="en-US"/>
+                    </a:p>
+                  </a:txBody>
+                  <a:tcPr>
+                    <a:solidFill>
+                      <a:schemeClr val="accent1"/>
+                    </a:solidFill>
+                  </a:tcPr>
+                </a:tc>
+              </a:tr>
+            </a:tbl>
+          </a:graphicData>
+        </a:graphic>
+      </p:graphicFrame>
+      <p:graphicFrame>
+        <p:nvGraphicFramePr>
+          <p:cNvPr id="13" name="Table 12"/>
+          <p:cNvGraphicFramePr/>
+          <p:nvPr/>
+        </p:nvGraphicFramePr>
+        <p:xfrm>
+          <a:off x="5560060" y="4768215"/>
+          <a:ext cx="1290320" cy="1832610"/>
+        </p:xfrm>
+        <a:graphic>
+          <a:graphicData uri="http://schemas.openxmlformats.org/drawingml/2006/table">
+            <a:tbl>
+              <a:tblPr firstRow="1" bandRow="1">
+                <a:tableStyleId>{5C22544A-7EE6-4342-B048-85BDC9FD1C3A}</a:tableStyleId>
+              </a:tblPr>
+              <a:tblGrid>
+                <a:gridCol w="322580"/>
+                <a:gridCol w="323215"/>
+                <a:gridCol w="338455"/>
+                <a:gridCol w="306070"/>
+              </a:tblGrid>
+              <a:tr h="369570">
+                <a:tc>
+                  <a:txBody>
+                    <a:bodyPr/>
+                    <a:p>
+                      <a:pPr>
+                        <a:buNone/>
+                      </a:pPr>
+                      <a:endParaRPr lang="en-US"/>
+                    </a:p>
+                  </a:txBody>
+                  <a:tcPr>
+                    <a:solidFill>
+                      <a:schemeClr val="accent1"/>
+                    </a:solidFill>
+                  </a:tcPr>
+                </a:tc>
+                <a:tc>
+                  <a:txBody>
+                    <a:bodyPr/>
+                    <a:p>
+                      <a:pPr>
+                        <a:buNone/>
+                      </a:pPr>
+                      <a:endParaRPr lang="en-US"/>
+                    </a:p>
+                  </a:txBody>
+                  <a:tcPr>
+                    <a:solidFill>
+                      <a:schemeClr val="accent1"/>
+                    </a:solidFill>
+                  </a:tcPr>
+                </a:tc>
+                <a:tc>
+                  <a:txBody>
+                    <a:bodyPr/>
+                    <a:p>
+                      <a:pPr>
+                        <a:buNone/>
+                      </a:pPr>
+                      <a:endParaRPr lang="en-US"/>
+                    </a:p>
+                  </a:txBody>
+                  <a:tcPr>
+                    <a:solidFill>
+                      <a:schemeClr val="accent1"/>
+                    </a:solidFill>
+                  </a:tcPr>
+                </a:tc>
+                <a:tc>
+                  <a:txBody>
+                    <a:bodyPr/>
+                    <a:p>
+                      <a:pPr>
+                        <a:buNone/>
+                      </a:pPr>
+                      <a:endParaRPr lang="en-US"/>
+                    </a:p>
+                  </a:txBody>
+                  <a:tcPr>
+                    <a:solidFill>
+                      <a:schemeClr val="accent1"/>
+                    </a:solidFill>
+                  </a:tcPr>
+                </a:tc>
+              </a:tr>
+              <a:tr h="365760">
+                <a:tc>
+                  <a:txBody>
+                    <a:bodyPr/>
+                    <a:p>
+                      <a:pPr>
+                        <a:buNone/>
+                      </a:pPr>
+                      <a:endParaRPr lang="en-US"/>
+                    </a:p>
+                  </a:txBody>
+                  <a:tcPr>
+                    <a:solidFill>
+                      <a:schemeClr val="accent1"/>
+                    </a:solidFill>
+                  </a:tcPr>
+                </a:tc>
+                <a:tc>
+                  <a:txBody>
+                    <a:bodyPr/>
+                    <a:p>
+                      <a:pPr>
+                        <a:buNone/>
+                      </a:pPr>
+                      <a:endParaRPr lang="en-US"/>
+                    </a:p>
+                  </a:txBody>
+                  <a:tcPr>
+                    <a:solidFill>
+                      <a:schemeClr val="accent1"/>
+                    </a:solidFill>
+                  </a:tcPr>
+                </a:tc>
+                <a:tc>
+                  <a:txBody>
+                    <a:bodyPr/>
+                    <a:p>
+                      <a:pPr>
+                        <a:buNone/>
+                      </a:pPr>
+                      <a:endParaRPr lang="en-US"/>
+                    </a:p>
+                  </a:txBody>
+                  <a:tcPr>
+                    <a:solidFill>
+                      <a:schemeClr val="accent1"/>
+                    </a:solidFill>
+                  </a:tcPr>
+                </a:tc>
+                <a:tc>
+                  <a:txBody>
+                    <a:bodyPr/>
+                    <a:p>
+                      <a:pPr>
+                        <a:buNone/>
+                      </a:pPr>
+                      <a:endParaRPr lang="en-US"/>
+                    </a:p>
+                  </a:txBody>
+                  <a:tcPr>
+                    <a:solidFill>
+                      <a:schemeClr val="accent1"/>
+                    </a:solidFill>
+                  </a:tcPr>
+                </a:tc>
+              </a:tr>
+              <a:tr h="365760">
+                <a:tc>
+                  <a:txBody>
+                    <a:bodyPr/>
+                    <a:p>
+                      <a:pPr>
+                        <a:buNone/>
+                      </a:pPr>
+                      <a:endParaRPr lang="en-US"/>
+                    </a:p>
+                  </a:txBody>
+                  <a:tcPr>
+                    <a:solidFill>
+                      <a:schemeClr val="accent2"/>
+                    </a:solidFill>
+                  </a:tcPr>
+                </a:tc>
+                <a:tc>
+                  <a:txBody>
+                    <a:bodyPr/>
+                    <a:p>
+                      <a:pPr>
+                        <a:buNone/>
+                      </a:pPr>
+                      <a:endParaRPr lang="en-US"/>
+                    </a:p>
+                  </a:txBody>
+                  <a:tcPr>
+                    <a:solidFill>
+                      <a:schemeClr val="accent2"/>
+                    </a:solidFill>
+                  </a:tcPr>
+                </a:tc>
+                <a:tc>
+                  <a:txBody>
+                    <a:bodyPr/>
+                    <a:p>
+                      <a:pPr>
+                        <a:buNone/>
+                      </a:pPr>
+                      <a:endParaRPr lang="en-US"/>
+                    </a:p>
+                  </a:txBody>
+                  <a:tcPr>
+                    <a:solidFill>
+                      <a:schemeClr val="accent2"/>
+                    </a:solidFill>
+                  </a:tcPr>
+                </a:tc>
+                <a:tc>
+                  <a:txBody>
+                    <a:bodyPr/>
+                    <a:p>
+                      <a:pPr>
+                        <a:buNone/>
+                      </a:pPr>
+                      <a:endParaRPr lang="en-US"/>
+                    </a:p>
+                  </a:txBody>
+                  <a:tcPr>
+                    <a:solidFill>
+                      <a:schemeClr val="accent2"/>
+                    </a:solidFill>
+                  </a:tcPr>
+                </a:tc>
+              </a:tr>
+              <a:tr h="365760">
+                <a:tc>
+                  <a:txBody>
+                    <a:bodyPr/>
+                    <a:p>
+                      <a:pPr>
+                        <a:buNone/>
+                      </a:pPr>
+                      <a:endParaRPr lang="en-US"/>
+                    </a:p>
+                  </a:txBody>
+                  <a:tcPr>
+                    <a:solidFill>
+                      <a:schemeClr val="accent1"/>
+                    </a:solidFill>
+                  </a:tcPr>
+                </a:tc>
+                <a:tc>
+                  <a:txBody>
+                    <a:bodyPr/>
+                    <a:p>
+                      <a:pPr>
+                        <a:buNone/>
+                      </a:pPr>
+                      <a:endParaRPr lang="en-US"/>
+                    </a:p>
+                  </a:txBody>
+                  <a:tcPr>
+                    <a:solidFill>
+                      <a:schemeClr val="accent1"/>
+                    </a:solidFill>
+                  </a:tcPr>
+                </a:tc>
+                <a:tc>
+                  <a:txBody>
+                    <a:bodyPr/>
+                    <a:p>
+                      <a:pPr>
+                        <a:buNone/>
+                      </a:pPr>
+                      <a:endParaRPr lang="en-US"/>
+                    </a:p>
+                  </a:txBody>
+                  <a:tcPr>
+                    <a:solidFill>
+                      <a:schemeClr val="accent1"/>
+                    </a:solidFill>
+                  </a:tcPr>
+                </a:tc>
+                <a:tc>
+                  <a:txBody>
+                    <a:bodyPr/>
+                    <a:p>
+                      <a:pPr>
+                        <a:buNone/>
+                      </a:pPr>
+                      <a:endParaRPr lang="en-US"/>
+                    </a:p>
+                  </a:txBody>
+                  <a:tcPr>
+                    <a:solidFill>
+                      <a:schemeClr val="accent1"/>
+                    </a:solidFill>
+                  </a:tcPr>
+                </a:tc>
+              </a:tr>
+              <a:tr h="365760">
+                <a:tc>
+                  <a:txBody>
+                    <a:bodyPr/>
+                    <a:p>
+                      <a:pPr>
+                        <a:buNone/>
+                      </a:pPr>
+                      <a:endParaRPr lang="en-US"/>
+                    </a:p>
+                  </a:txBody>
+                  <a:tcPr>
+                    <a:solidFill>
+                      <a:schemeClr val="accent1"/>
+                    </a:solidFill>
+                  </a:tcPr>
+                </a:tc>
+                <a:tc>
+                  <a:txBody>
+                    <a:bodyPr/>
+                    <a:p>
+                      <a:pPr>
+                        <a:buNone/>
+                      </a:pPr>
+                      <a:endParaRPr lang="en-US"/>
+                    </a:p>
+                  </a:txBody>
+                  <a:tcPr>
+                    <a:solidFill>
+                      <a:schemeClr val="accent1"/>
+                    </a:solidFill>
+                  </a:tcPr>
+                </a:tc>
+                <a:tc>
+                  <a:txBody>
+                    <a:bodyPr/>
+                    <a:p>
+                      <a:pPr>
+                        <a:buNone/>
+                      </a:pPr>
+                      <a:endParaRPr lang="en-US"/>
+                    </a:p>
+                  </a:txBody>
+                  <a:tcPr>
+                    <a:solidFill>
+                      <a:schemeClr val="accent1"/>
+                    </a:solidFill>
+                  </a:tcPr>
+                </a:tc>
+                <a:tc>
+                  <a:txBody>
+                    <a:bodyPr/>
+                    <a:p>
+                      <a:pPr>
+                        <a:buNone/>
+                      </a:pPr>
+                      <a:endParaRPr lang="en-US"/>
+                    </a:p>
+                  </a:txBody>
+                  <a:tcPr>
+                    <a:solidFill>
+                      <a:schemeClr val="accent1"/>
+                    </a:solidFill>
+                  </a:tcPr>
+                </a:tc>
+              </a:tr>
+            </a:tbl>
+          </a:graphicData>
+        </a:graphic>
+      </p:graphicFrame>
+      <p:graphicFrame>
+        <p:nvGraphicFramePr>
+          <p:cNvPr id="14" name="Table 13"/>
+          <p:cNvGraphicFramePr/>
+          <p:nvPr/>
+        </p:nvGraphicFramePr>
+        <p:xfrm>
+          <a:off x="7036435" y="4768215"/>
+          <a:ext cx="1576070" cy="1832610"/>
+        </p:xfrm>
+        <a:graphic>
+          <a:graphicData uri="http://schemas.openxmlformats.org/drawingml/2006/table">
+            <a:tbl>
+              <a:tblPr firstRow="1" bandRow="1">
+                <a:tableStyleId>{5C22544A-7EE6-4342-B048-85BDC9FD1C3A}</a:tableStyleId>
+              </a:tblPr>
+              <a:tblGrid>
+                <a:gridCol w="318770"/>
+                <a:gridCol w="318770"/>
+                <a:gridCol w="334010"/>
+                <a:gridCol w="302260"/>
+                <a:gridCol w="302260"/>
+              </a:tblGrid>
+              <a:tr h="369570">
+                <a:tc>
+                  <a:txBody>
+                    <a:bodyPr/>
+                    <a:p>
+                      <a:pPr>
+                        <a:buNone/>
+                      </a:pPr>
+                      <a:endParaRPr lang="en-US"/>
+                    </a:p>
+                  </a:txBody>
+                  <a:tcPr>
+                    <a:solidFill>
+                      <a:schemeClr val="accent1"/>
+                    </a:solidFill>
+                  </a:tcPr>
+                </a:tc>
+                <a:tc>
+                  <a:txBody>
+                    <a:bodyPr/>
+                    <a:p>
+                      <a:pPr>
+                        <a:buNone/>
+                      </a:pPr>
+                      <a:endParaRPr lang="en-US"/>
+                    </a:p>
+                  </a:txBody>
+                  <a:tcPr>
+                    <a:solidFill>
+                      <a:schemeClr val="accent1"/>
+                    </a:solidFill>
+                  </a:tcPr>
+                </a:tc>
+                <a:tc>
+                  <a:txBody>
+                    <a:bodyPr/>
+                    <a:p>
+                      <a:pPr>
+                        <a:buNone/>
+                      </a:pPr>
+                      <a:endParaRPr lang="en-US"/>
+                    </a:p>
+                  </a:txBody>
+                  <a:tcPr>
+                    <a:solidFill>
+                      <a:schemeClr val="accent1"/>
+                    </a:solidFill>
+                  </a:tcPr>
+                </a:tc>
+                <a:tc>
+                  <a:txBody>
+                    <a:bodyPr/>
+                    <a:p>
+                      <a:pPr>
+                        <a:buNone/>
+                      </a:pPr>
+                      <a:endParaRPr lang="en-US"/>
+                    </a:p>
+                  </a:txBody>
+                  <a:tcPr>
+                    <a:solidFill>
+                      <a:schemeClr val="accent1"/>
+                    </a:solidFill>
+                  </a:tcPr>
+                </a:tc>
+                <a:tc>
+                  <a:txBody>
+                    <a:bodyPr/>
+                    <a:p>
+                      <a:pPr>
+                        <a:buNone/>
+                      </a:pPr>
+                      <a:endParaRPr lang="en-US"/>
+                    </a:p>
+                  </a:txBody>
+                  <a:tcPr>
+                    <a:solidFill>
+                      <a:schemeClr val="accent1"/>
+                    </a:solidFill>
+                  </a:tcPr>
+                </a:tc>
+              </a:tr>
+              <a:tr h="357505">
+                <a:tc>
+                  <a:txBody>
+                    <a:bodyPr/>
+                    <a:p>
+                      <a:pPr>
+                        <a:buNone/>
+                      </a:pPr>
+                      <a:endParaRPr lang="en-US"/>
+                    </a:p>
+                  </a:txBody>
+                  <a:tcPr>
+                    <a:solidFill>
+                      <a:schemeClr val="accent1"/>
+                    </a:solidFill>
+                  </a:tcPr>
+                </a:tc>
+                <a:tc>
+                  <a:txBody>
+                    <a:bodyPr/>
+                    <a:p>
+                      <a:pPr>
+                        <a:buNone/>
+                      </a:pPr>
+                      <a:endParaRPr lang="en-US"/>
+                    </a:p>
+                  </a:txBody>
+                  <a:tcPr>
+                    <a:solidFill>
+                      <a:schemeClr val="accent1"/>
+                    </a:solidFill>
+                  </a:tcPr>
+                </a:tc>
+                <a:tc>
+                  <a:txBody>
+                    <a:bodyPr/>
+                    <a:p>
+                      <a:pPr>
+                        <a:buNone/>
+                      </a:pPr>
+                      <a:endParaRPr lang="en-US"/>
+                    </a:p>
+                  </a:txBody>
+                  <a:tcPr>
+                    <a:solidFill>
+                      <a:schemeClr val="accent1"/>
+                    </a:solidFill>
+                  </a:tcPr>
+                </a:tc>
+                <a:tc>
+                  <a:txBody>
+                    <a:bodyPr/>
+                    <a:p>
+                      <a:pPr>
+                        <a:buNone/>
+                      </a:pPr>
+                      <a:endParaRPr lang="en-US"/>
+                    </a:p>
+                  </a:txBody>
+                  <a:tcPr>
+                    <a:solidFill>
+                      <a:schemeClr val="accent1"/>
+                    </a:solidFill>
+                  </a:tcPr>
+                </a:tc>
+                <a:tc>
+                  <a:txBody>
+                    <a:bodyPr/>
+                    <a:p>
+                      <a:pPr>
+                        <a:buNone/>
+                      </a:pPr>
+                      <a:endParaRPr lang="en-US"/>
+                    </a:p>
+                  </a:txBody>
+                  <a:tcPr>
+                    <a:solidFill>
+                      <a:schemeClr val="accent1"/>
+                    </a:solidFill>
+                  </a:tcPr>
+                </a:tc>
+              </a:tr>
+              <a:tr h="365760">
+                <a:tc>
+                  <a:txBody>
+                    <a:bodyPr/>
+                    <a:p>
+                      <a:pPr>
+                        <a:buNone/>
+                      </a:pPr>
+                      <a:endParaRPr lang="en-US"/>
+                    </a:p>
+                  </a:txBody>
+                  <a:tcPr>
+                    <a:solidFill>
+                      <a:schemeClr val="accent1"/>
+                    </a:solidFill>
+                  </a:tcPr>
+                </a:tc>
+                <a:tc>
+                  <a:txBody>
+                    <a:bodyPr/>
+                    <a:p>
+                      <a:pPr>
+                        <a:buNone/>
+                      </a:pPr>
+                      <a:r>
+                        <a:rPr lang="" altLang="en-US"/>
+                        <a:t>*</a:t>
+                      </a:r>
+                      <a:endParaRPr lang="" altLang="en-US"/>
+                    </a:p>
+                  </a:txBody>
+                  <a:tcPr>
+                    <a:solidFill>
+                      <a:schemeClr val="accent1"/>
+                    </a:solidFill>
+                  </a:tcPr>
+                </a:tc>
+                <a:tc>
+                  <a:txBody>
+                    <a:bodyPr/>
+                    <a:p>
+                      <a:pPr>
+                        <a:buNone/>
+                      </a:pPr>
+                      <a:endParaRPr lang="en-US"/>
+                    </a:p>
+                  </a:txBody>
+                  <a:tcPr>
+                    <a:solidFill>
+                      <a:schemeClr val="accent1"/>
+                    </a:solidFill>
+                  </a:tcPr>
+                </a:tc>
+                <a:tc>
+                  <a:txBody>
+                    <a:bodyPr/>
+                    <a:p>
+                      <a:pPr>
+                        <a:buNone/>
+                      </a:pPr>
+                      <a:endParaRPr lang="en-US"/>
+                    </a:p>
+                  </a:txBody>
+                  <a:tcPr>
+                    <a:solidFill>
+                      <a:schemeClr val="accent1"/>
+                    </a:solidFill>
+                  </a:tcPr>
+                </a:tc>
+                <a:tc>
+                  <a:txBody>
+                    <a:bodyPr/>
+                    <a:p>
+                      <a:pPr>
+                        <a:buNone/>
+                      </a:pPr>
+                      <a:endParaRPr lang="en-US"/>
+                    </a:p>
+                  </a:txBody>
+                  <a:tcPr>
+                    <a:solidFill>
+                      <a:schemeClr val="accent1"/>
+                    </a:solidFill>
+                  </a:tcPr>
+                </a:tc>
+              </a:tr>
+              <a:tr h="365760">
+                <a:tc>
+                  <a:txBody>
+                    <a:bodyPr/>
+                    <a:p>
+                      <a:pPr>
+                        <a:buNone/>
+                      </a:pPr>
+                      <a:endParaRPr lang="en-US"/>
+                    </a:p>
+                  </a:txBody>
+                  <a:tcPr>
+                    <a:solidFill>
+                      <a:schemeClr val="accent1"/>
+                    </a:solidFill>
+                  </a:tcPr>
+                </a:tc>
+                <a:tc>
+                  <a:txBody>
+                    <a:bodyPr/>
+                    <a:p>
+                      <a:pPr>
+                        <a:buNone/>
+                      </a:pPr>
+                      <a:endParaRPr lang="en-US"/>
+                    </a:p>
+                  </a:txBody>
+                  <a:tcPr>
+                    <a:solidFill>
+                      <a:schemeClr val="accent1"/>
+                    </a:solidFill>
+                  </a:tcPr>
+                </a:tc>
+                <a:tc>
+                  <a:txBody>
+                    <a:bodyPr/>
+                    <a:p>
+                      <a:pPr>
+                        <a:buNone/>
+                      </a:pPr>
+                      <a:endParaRPr lang="en-US"/>
+                    </a:p>
+                  </a:txBody>
+                  <a:tcPr>
+                    <a:solidFill>
+                      <a:schemeClr val="accent1"/>
+                    </a:solidFill>
+                  </a:tcPr>
+                </a:tc>
+                <a:tc>
+                  <a:txBody>
+                    <a:bodyPr/>
+                    <a:p>
+                      <a:pPr>
+                        <a:buNone/>
+                      </a:pPr>
+                      <a:endParaRPr lang="en-US"/>
+                    </a:p>
+                  </a:txBody>
+                  <a:tcPr>
+                    <a:solidFill>
+                      <a:schemeClr val="accent1"/>
+                    </a:solidFill>
+                  </a:tcPr>
+                </a:tc>
+                <a:tc>
+                  <a:txBody>
+                    <a:bodyPr/>
+                    <a:p>
+                      <a:pPr>
+                        <a:buNone/>
+                      </a:pPr>
+                      <a:endParaRPr lang="en-US"/>
+                    </a:p>
+                  </a:txBody>
+                  <a:tcPr>
+                    <a:solidFill>
+                      <a:schemeClr val="accent1"/>
+                    </a:solidFill>
+                  </a:tcPr>
+                </a:tc>
+              </a:tr>
+              <a:tr h="365760">
+                <a:tc>
+                  <a:txBody>
+                    <a:bodyPr/>
+                    <a:p>
+                      <a:pPr>
+                        <a:buNone/>
+                      </a:pPr>
+                      <a:endParaRPr lang="en-US"/>
+                    </a:p>
+                  </a:txBody>
+                  <a:tcPr>
+                    <a:solidFill>
+                      <a:schemeClr val="accent1"/>
+                    </a:solidFill>
+                  </a:tcPr>
+                </a:tc>
+                <a:tc>
+                  <a:txBody>
+                    <a:bodyPr/>
+                    <a:p>
+                      <a:pPr>
+                        <a:buNone/>
+                      </a:pPr>
+                      <a:endParaRPr lang="en-US"/>
+                    </a:p>
+                  </a:txBody>
+                  <a:tcPr>
+                    <a:solidFill>
+                      <a:schemeClr val="accent1"/>
+                    </a:solidFill>
+                  </a:tcPr>
+                </a:tc>
+                <a:tc>
+                  <a:txBody>
+                    <a:bodyPr/>
+                    <a:p>
+                      <a:pPr>
+                        <a:buNone/>
+                      </a:pPr>
+                      <a:endParaRPr lang="en-US"/>
+                    </a:p>
+                  </a:txBody>
+                  <a:tcPr>
+                    <a:solidFill>
+                      <a:schemeClr val="accent1"/>
+                    </a:solidFill>
+                  </a:tcPr>
+                </a:tc>
+                <a:tc>
+                  <a:txBody>
+                    <a:bodyPr/>
+                    <a:p>
+                      <a:pPr>
+                        <a:buNone/>
+                      </a:pPr>
+                      <a:endParaRPr lang="en-US"/>
+                    </a:p>
+                  </a:txBody>
+                  <a:tcPr>
+                    <a:solidFill>
+                      <a:schemeClr val="accent1"/>
+                    </a:solidFill>
+                  </a:tcPr>
+                </a:tc>
+                <a:tc>
+                  <a:txBody>
+                    <a:bodyPr/>
+                    <a:p>
+                      <a:pPr>
+                        <a:buNone/>
+                      </a:pPr>
+                      <a:endParaRPr lang="en-US"/>
+                    </a:p>
+                  </a:txBody>
+                  <a:tcPr>
+                    <a:solidFill>
+                      <a:schemeClr val="accent1"/>
+                    </a:solidFill>
+                  </a:tcPr>
+                </a:tc>
+              </a:tr>
+            </a:tbl>
+          </a:graphicData>
+        </a:graphic>
+      </p:graphicFrame>
+      <p:sp>
+        <p:nvSpPr>
+          <p:cNvPr id="15" name="Text Box 14"/>
+          <p:cNvSpPr txBox="1"/>
+          <p:nvPr/>
+        </p:nvSpPr>
+        <p:spPr>
+          <a:xfrm>
+            <a:off x="7418705" y="2759710"/>
+            <a:ext cx="246380" cy="368300"/>
+          </a:xfrm>
+          <a:prstGeom prst="rect">
+            <a:avLst/>
+          </a:prstGeom>
+          <a:noFill/>
+        </p:spPr>
+        <p:txBody>
+          <a:bodyPr wrap="none" rtlCol="0">
+            <a:spAutoFit/>
+          </a:bodyPr>
+          <a:p>
+            <a:r>
+              <a:rPr lang="" altLang="en-US"/>
+              <a:t>j</a:t>
+            </a:r>
+            <a:endParaRPr lang="" altLang="en-US"/>
+          </a:p>
+        </p:txBody>
+      </p:sp>
+      <p:sp>
+        <p:nvSpPr>
+          <p:cNvPr id="16" name="Text Box 15"/>
+          <p:cNvSpPr txBox="1"/>
+          <p:nvPr/>
+        </p:nvSpPr>
+        <p:spPr>
+          <a:xfrm>
+            <a:off x="5300980" y="5500370"/>
+            <a:ext cx="246380" cy="368300"/>
+          </a:xfrm>
+          <a:prstGeom prst="rect">
+            <a:avLst/>
+          </a:prstGeom>
+          <a:noFill/>
+        </p:spPr>
+        <p:txBody>
+          <a:bodyPr wrap="none" rtlCol="0">
+            <a:spAutoFit/>
+          </a:bodyPr>
+          <a:p>
+            <a:r>
+              <a:rPr lang="" altLang="en-US"/>
+              <a:t>i</a:t>
+            </a:r>
+            <a:endParaRPr lang="" altLang="en-US"/>
+          </a:p>
+        </p:txBody>
+      </p:sp>
+      <p:sp>
+        <p:nvSpPr>
+          <p:cNvPr id="17" name="Text Box 16"/>
+          <p:cNvSpPr txBox="1"/>
+          <p:nvPr/>
+        </p:nvSpPr>
+        <p:spPr>
+          <a:xfrm>
+            <a:off x="4643120" y="3805555"/>
+            <a:ext cx="2207260" cy="337185"/>
+          </a:xfrm>
+          <a:prstGeom prst="rect">
+            <a:avLst/>
+          </a:prstGeom>
+          <a:noFill/>
+        </p:spPr>
+        <p:txBody>
+          <a:bodyPr wrap="none" rtlCol="0">
+            <a:spAutoFit/>
+          </a:bodyPr>
+          <a:p>
+            <a:r>
+              <a:rPr lang="" altLang="en-US" sz="1600"/>
+              <a:t>min(d(i,k)+d(k,j) ...)</a:t>
+            </a:r>
+            <a:endParaRPr lang="" altLang="en-US" sz="1600"/>
           </a:p>
         </p:txBody>
       </p:sp>
